--- a/doc/paper/v2/缑通旺-开题.pptx
+++ b/doc/paper/v2/缑通旺-开题.pptx
@@ -10481,7 +10481,7 @@
                 <a:cs typeface="+mn-ea"/>
                 <a:sym typeface="+mn-lt"/>
               </a:rPr>
-              <a:t>2022/3/25</a:t>
+              <a:t>2022/4/10</a:t>
             </a:r>
             <a:endParaRPr lang="en-US" altLang="zh-CN" sz="2000" dirty="0">
               <a:solidFill>
@@ -12018,7 +12018,7 @@
         </p:nvSpPr>
         <p:spPr>
           <a:xfrm>
-            <a:off x="1084405" y="1585620"/>
+            <a:off x="1091390" y="1585620"/>
             <a:ext cx="9899297" cy="4114799"/>
           </a:xfrm>
           <a:prstGeom prst="roundRect">
@@ -12076,7 +12076,7 @@
         </p:nvSpPr>
         <p:spPr>
           <a:xfrm>
-            <a:off x="1602105" y="2021205"/>
+            <a:off x="1539875" y="1971675"/>
             <a:ext cx="8987790" cy="3342640"/>
           </a:xfrm>
           <a:prstGeom prst="rect">
@@ -12090,78 +12090,191 @@
           </a:bodyPr>
           <a:lstStyle/>
           <a:p>
-            <a:pPr algn="l">
+            <a:pPr marL="285750" indent="-285750" algn="l">
               <a:lnSpc>
-                <a:spcPct val="130000"/>
+                <a:spcPct val="190000"/>
               </a:lnSpc>
               <a:spcAft>
                 <a:spcPts val="600"/>
               </a:spcAft>
+              <a:buFont typeface="Arial" panose="020B0604020202090204" pitchFamily="34" charset="0"/>
+              <a:buChar char="•"/>
             </a:pPr>
+            <a:r>
+              <a:rPr dirty="0">
+                <a:cs typeface="+mn-ea"/>
+                <a:sym typeface="+mn-lt"/>
+              </a:rPr>
+              <a:t>解决C</a:t>
+            </a:r>
+            <a:r>
+              <a:rPr lang="zh-CN" dirty="0">
+                <a:cs typeface="+mn-ea"/>
+                <a:sym typeface="+mn-lt"/>
+              </a:rPr>
+              <a:t>语言</a:t>
+            </a:r>
+            <a:r>
+              <a:rPr dirty="0">
+                <a:cs typeface="+mn-ea"/>
+                <a:sym typeface="+mn-lt"/>
+              </a:rPr>
+              <a:t>源码在Web中正常调用执行，并解决Web架构</a:t>
+            </a:r>
+            <a:r>
+              <a:rPr lang="zh-CN" dirty="0">
+                <a:cs typeface="+mn-ea"/>
+                <a:sym typeface="+mn-lt"/>
+              </a:rPr>
+              <a:t>处理</a:t>
+            </a:r>
             <a:r>
               <a:rPr lang="en-US" altLang="zh-CN" dirty="0">
                 <a:cs typeface="+mn-ea"/>
                 <a:sym typeface="+mn-lt"/>
               </a:rPr>
-              <a:t>(1)本课题提出通过迁移WebAssembly编码方式到FFmpeg，通过对FFmpeg的二次开发实现三类</a:t>
+              <a:t>CPU</a:t>
             </a:r>
             <a:r>
               <a:rPr lang="zh-CN" altLang="en-US" dirty="0">
                 <a:cs typeface="+mn-ea"/>
                 <a:sym typeface="+mn-lt"/>
               </a:rPr>
-              <a:t>视频处理</a:t>
+              <a:t>密集型任务的</a:t>
+            </a:r>
+            <a:r>
+              <a:rPr dirty="0">
+                <a:cs typeface="+mn-ea"/>
+                <a:sym typeface="+mn-lt"/>
+              </a:rPr>
+              <a:t>天然局限性</a:t>
+            </a:r>
+            <a:endParaRPr dirty="0">
+              <a:cs typeface="+mn-ea"/>
+              <a:sym typeface="+mn-lt"/>
+            </a:endParaRPr>
+          </a:p>
+          <a:p>
+            <a:pPr marL="285750" indent="-285750" algn="l">
+              <a:lnSpc>
+                <a:spcPct val="190000"/>
+              </a:lnSpc>
+              <a:spcAft>
+                <a:spcPts val="600"/>
+              </a:spcAft>
+              <a:buFont typeface="Arial" panose="020B0604020202090204" pitchFamily="34" charset="0"/>
+              <a:buChar char="•"/>
+            </a:pPr>
+            <a:r>
+              <a:rPr dirty="0">
+                <a:cs typeface="+mn-ea"/>
+                <a:sym typeface="+mn-lt"/>
+              </a:rPr>
+              <a:t>解决Web内存限制带来的</a:t>
+            </a:r>
+            <a:r>
+              <a:rPr lang="zh-CN" dirty="0">
+                <a:cs typeface="+mn-ea"/>
+                <a:sym typeface="+mn-lt"/>
+              </a:rPr>
+              <a:t>音</a:t>
+            </a:r>
+            <a:r>
+              <a:rPr dirty="0">
+                <a:cs typeface="+mn-ea"/>
+                <a:sym typeface="+mn-lt"/>
+              </a:rPr>
+              <a:t>视频</a:t>
+            </a:r>
+            <a:r>
+              <a:rPr lang="zh-CN" dirty="0">
+                <a:cs typeface="+mn-ea"/>
+                <a:sym typeface="+mn-lt"/>
+              </a:rPr>
+              <a:t>、</a:t>
             </a:r>
             <a:r>
               <a:rPr lang="en-US" altLang="zh-CN" dirty="0">
                 <a:cs typeface="+mn-ea"/>
                 <a:sym typeface="+mn-lt"/>
               </a:rPr>
-              <a:t>后编译为WASM模块从而能够在Web环境下直接使用。</a:t>
-            </a:r>
-            <a:endParaRPr lang="en-US" altLang="zh-CN" dirty="0">
+              <a:t>WASM</a:t>
+            </a:r>
+            <a:r>
+              <a:rPr lang="zh-CN" altLang="en-US" dirty="0">
+                <a:cs typeface="+mn-ea"/>
+                <a:sym typeface="+mn-lt"/>
+              </a:rPr>
+              <a:t>模块</a:t>
+            </a:r>
+            <a:r>
+              <a:rPr dirty="0">
+                <a:cs typeface="+mn-ea"/>
+                <a:sym typeface="+mn-lt"/>
+              </a:rPr>
+              <a:t>加载解析失败</a:t>
+            </a:r>
+            <a:endParaRPr dirty="0">
               <a:cs typeface="+mn-ea"/>
               <a:sym typeface="+mn-lt"/>
             </a:endParaRPr>
           </a:p>
           <a:p>
-            <a:pPr algn="l">
+            <a:pPr marL="285750" indent="-285750" algn="l">
               <a:lnSpc>
-                <a:spcPct val="130000"/>
+                <a:spcPct val="190000"/>
               </a:lnSpc>
               <a:spcAft>
                 <a:spcPts val="600"/>
               </a:spcAft>
+              <a:buFont typeface="Arial" panose="020B0604020202090204" pitchFamily="34" charset="0"/>
+              <a:buChar char="•"/>
             </a:pPr>
             <a:r>
-              <a:rPr lang="en-US" altLang="zh-CN" dirty="0">
+              <a:rPr dirty="0">
                 <a:cs typeface="+mn-ea"/>
                 <a:sym typeface="+mn-lt"/>
               </a:rPr>
-              <a:t>(2) 针对Web运行环境内存限制影响到因为视频大小从而导致视频解析加载失败的问题，本课题提出通过WebWorker线程加载编译好的FFmpeg的WASM模块的方式，并通过worker内Blob对视频文件进行只读操作，防止系统一次性将视频全部加载到内存。</a:t>
-            </a:r>
-            <a:endParaRPr lang="en-US" altLang="zh-CN" dirty="0">
+              <a:t>解决本课题的</a:t>
+            </a:r>
+            <a:r>
+              <a:rPr lang="zh-CN" dirty="0">
+                <a:cs typeface="+mn-ea"/>
+                <a:sym typeface="+mn-lt"/>
+              </a:rPr>
+              <a:t>所有音视频处理相关的</a:t>
+            </a:r>
+            <a:r>
+              <a:rPr dirty="0">
+                <a:cs typeface="+mn-ea"/>
+                <a:sym typeface="+mn-lt"/>
+              </a:rPr>
+              <a:t>功能目标</a:t>
+            </a:r>
+            <a:endParaRPr dirty="0">
               <a:cs typeface="+mn-ea"/>
               <a:sym typeface="+mn-lt"/>
             </a:endParaRPr>
           </a:p>
           <a:p>
-            <a:pPr algn="l">
+            <a:pPr marL="285750" indent="-285750" algn="l">
               <a:lnSpc>
-                <a:spcPct val="130000"/>
+                <a:spcPct val="190000"/>
               </a:lnSpc>
               <a:spcAft>
                 <a:spcPts val="600"/>
               </a:spcAft>
+              <a:buFont typeface="Arial" panose="020B0604020202090204" pitchFamily="34" charset="0"/>
+              <a:buChar char="•"/>
             </a:pPr>
             <a:r>
-              <a:rPr lang="en-US" altLang="zh-CN" dirty="0">
+              <a:rPr lang="zh-CN" dirty="0">
                 <a:cs typeface="+mn-ea"/>
                 <a:sym typeface="+mn-lt"/>
               </a:rPr>
-              <a:t>(3) 针对系统平台的移植性、普适性，本课题结合Web跨平台的开发解决方案来满足对视频相关操作的封装与使用。</a:t>
-            </a:r>
-            <a:endParaRPr lang="en-US" altLang="zh-CN" sz="2000" dirty="0">
+              <a:t>解决跨平台的系统实现目标</a:t>
+            </a:r>
+            <a:endParaRPr dirty="0">
               <a:cs typeface="+mn-ea"/>
               <a:sym typeface="+mn-lt"/>
             </a:endParaRPr>
@@ -12432,7 +12545,21 @@
                 <a:cs typeface="+mn-ea"/>
                 <a:sym typeface="+mn-lt"/>
               </a:rPr>
-              <a:t>(1)研究FFmpeg在音视频转码、解析、拼接等音视频流操作的基本流程和功能原理，搭建编译环境，针对FFmpeg进行二次开发，提出满足需求的功能改写方案，重点是构建可以使用的WASM编码格式的模块。</a:t>
+              <a:t>(1)研究FFmpeg在音视频转码、解析、拼接等音视频流操作的基本流程和功能原理，搭建编译环境，针对FFmpeg进行二次开发，提出满足需求的功能改写方案，重点是迁移</a:t>
+            </a:r>
+            <a:r>
+              <a:rPr lang="en-US" altLang="zh-CN" sz="2000" dirty="0">
+                <a:cs typeface="+mn-ea"/>
+                <a:sym typeface="+mn-lt"/>
+              </a:rPr>
+              <a:t>WASM</a:t>
+            </a:r>
+            <a:r>
+              <a:rPr lang="zh-CN" altLang="en-US" sz="2000" dirty="0">
+                <a:cs typeface="+mn-ea"/>
+                <a:sym typeface="+mn-lt"/>
+              </a:rPr>
+              <a:t>编码构建出可以使用的WASM功能模块。</a:t>
             </a:r>
             <a:endParaRPr lang="zh-CN" altLang="en-US" sz="2000" dirty="0">
               <a:cs typeface="+mn-ea"/>
@@ -12474,7 +12601,7 @@
                 <a:cs typeface="+mn-ea"/>
                 <a:sym typeface="+mn-lt"/>
               </a:rPr>
-              <a:t>(3)研究结合端到端的Web跨平台开发解决方案，来降低系统对操作系统平台的依赖性与增强系统的可移植性，同时又可以可以拓展系统对操作系统底层API使用的功能。</a:t>
+              <a:t>(3)研究结合端到端的Web跨平台开发解决方案，来降低系统对操作系统平台的依赖性与增强系统的可移植性，同时又可以拓展系统对操作系统底层API使用的功能。</a:t>
             </a:r>
             <a:endParaRPr lang="zh-CN" altLang="en-US" sz="2000" dirty="0">
               <a:cs typeface="+mn-ea"/>
@@ -12826,34 +12953,6 @@
           </a:p>
         </p:txBody>
       </p:sp>
-      <p:pic>
-        <p:nvPicPr>
-          <p:cNvPr id="8" name="图片 8"/>
-          <p:cNvPicPr>
-            <a:picLocks noChangeAspect="1"/>
-          </p:cNvPicPr>
-          <p:nvPr/>
-        </p:nvPicPr>
-        <p:blipFill>
-          <a:blip r:embed="rId1"/>
-          <a:stretch>
-            <a:fillRect/>
-          </a:stretch>
-        </p:blipFill>
-        <p:spPr>
-          <a:xfrm>
-            <a:off x="2600325" y="1638300"/>
-            <a:ext cx="6883400" cy="4225290"/>
-          </a:xfrm>
-          <a:prstGeom prst="rect">
-            <a:avLst/>
-          </a:prstGeom>
-          <a:noFill/>
-          <a:ln w="9525">
-            <a:noFill/>
-          </a:ln>
-        </p:spPr>
-      </p:pic>
       <p:sp>
         <p:nvSpPr>
           <p:cNvPr id="9" name="文本框 8"/>
@@ -12883,6 +12982,30 @@
           </a:p>
         </p:txBody>
       </p:sp>
+      <p:pic>
+        <p:nvPicPr>
+          <p:cNvPr id="3" name="图片 2"/>
+          <p:cNvPicPr>
+            <a:picLocks noChangeAspect="1"/>
+          </p:cNvPicPr>
+          <p:nvPr/>
+        </p:nvPicPr>
+        <p:blipFill>
+          <a:blip r:embed="rId1"/>
+          <a:stretch>
+            <a:fillRect/>
+          </a:stretch>
+        </p:blipFill>
+        <p:spPr>
+          <a:xfrm>
+            <a:off x="2757805" y="1664970"/>
+            <a:ext cx="6388100" cy="4030980"/>
+          </a:xfrm>
+          <a:prstGeom prst="rect">
+            <a:avLst/>
+          </a:prstGeom>
+        </p:spPr>
+      </p:pic>
     </p:spTree>
   </p:cSld>
   <p:clrMapOvr>
@@ -13261,22 +13384,41 @@
                 <a:ea typeface="+mn-lt"/>
                 <a:cs typeface="+mn-lt"/>
               </a:rPr>
-              <a:t>个步骤：读取输入源、进行音视频的解封装、解码每一帧的音视频数据、编码每一帧音视频数据、进行音视频的重新封装、输出到目标。如图所示，我们需要根据系统功能目标结合</a:t>
-            </a:r>
+              <a:t>个步骤：读取输入源、进行音视频的解封装、解码每一帧的音视频数据、编码每一帧音视频数据、进行音视频的重新封装、输出到目标。</a:t>
+            </a:r>
+            <a:endParaRPr lang="zh-CN" altLang="en-US" sz="1600" dirty="0">
+              <a:ea typeface="+mn-lt"/>
+              <a:cs typeface="+mn-lt"/>
+            </a:endParaRPr>
+          </a:p>
+          <a:p>
+            <a:pPr marL="0" indent="0">
+              <a:lnSpc>
+                <a:spcPct val="120000"/>
+              </a:lnSpc>
+              <a:spcBef>
+                <a:spcPts val="0"/>
+              </a:spcBef>
+              <a:buClr>
+                <a:srgbClr val="000000"/>
+              </a:buClr>
+              <a:buSzPts val="275"/>
+              <a:buFont typeface="Arial" panose="020B0604020202090204"/>
+              <a:buNone/>
+            </a:pPr>
             <a:r>
               <a:rPr lang="zh-CN" altLang="en-US" sz="1600" dirty="0">
-                <a:latin typeface="+mn-ea"/>
-                <a:ea typeface="仿宋" charset="0"/>
-                <a:cs typeface="+mn-ea"/>
+                <a:ea typeface="+mn-lt"/>
+                <a:cs typeface="+mn-lt"/>
               </a:rPr>
-              <a:t>FFmpeg</a:t>
+              <a:t>      如图所示，我们需要根据系统功能目标</a:t>
             </a:r>
             <a:r>
               <a:rPr lang="zh-CN" altLang="en-US" sz="1600" dirty="0">
                 <a:ea typeface="+mn-lt"/>
                 <a:cs typeface="+mn-ea"/>
               </a:rPr>
-              <a:t>提供的处理流程模型再对转换模块做进一步的设计与实现。</a:t>
+              <a:t>基于FFmpeg开源库的二次开发，重点是研究音视频的封装协议、编解码协议以及对视频流、音频流、字幕流的处理，同时要对FFmpeg开源库源程序的学习，了解其封装的不同阶段的数据结构和音视频信息，利用这些暴露出来数据结构和函数能力进行定制化的二次开发</a:t>
             </a:r>
             <a:endParaRPr lang="zh-CN" altLang="en-US" sz="1600" dirty="0">
               <a:ea typeface="+mn-lt"/>
@@ -13326,7 +13468,7 @@
         </p:blipFill>
         <p:spPr>
           <a:xfrm>
-            <a:off x="2901315" y="2970530"/>
+            <a:off x="2983230" y="3204210"/>
             <a:ext cx="6224905" cy="2167890"/>
           </a:xfrm>
           <a:prstGeom prst="rect">
@@ -13371,7 +13513,7 @@
         </p:nvSpPr>
         <p:spPr>
           <a:xfrm>
-            <a:off x="851535" y="1327150"/>
+            <a:off x="851535" y="1336040"/>
             <a:ext cx="10638790" cy="4366260"/>
           </a:xfrm>
           <a:prstGeom prst="roundRect">
@@ -13451,9 +13593,9 @@
               <a:rPr kumimoji="1" lang="en-US" altLang="zh-CN" sz="2000" dirty="0">
                 <a:sym typeface="+mn-ea"/>
               </a:rPr>
-              <a:t>WebAssembly</a:t>
-            </a:r>
-            <a:endParaRPr kumimoji="1" lang="en-US" altLang="zh-CN" sz="2000" dirty="0">
+              <a:t>WebAssembly(wasm)</a:t>
+            </a:r>
+            <a:endParaRPr kumimoji="1" lang="zh-CN" altLang="en-US" sz="2000" dirty="0">
               <a:sym typeface="+mn-ea"/>
             </a:endParaRPr>
           </a:p>
@@ -13485,207 +13627,149 @@
           </a:p>
         </p:txBody>
       </p:sp>
-      <p:grpSp>
-        <p:nvGrpSpPr>
-          <p:cNvPr id="32" name="组合 31"/>
-          <p:cNvGrpSpPr/>
+      <p:sp>
+        <p:nvSpPr>
+          <p:cNvPr id="19" name="íŝļiḓè"/>
+          <p:cNvSpPr/>
           <p:nvPr/>
-        </p:nvGrpSpPr>
-        <p:grpSpPr>
+        </p:nvSpPr>
+        <p:spPr bwMode="auto">
           <a:xfrm>
-            <a:off x="1424940" y="1722755"/>
-            <a:ext cx="9491980" cy="3411855"/>
-            <a:chOff x="1492571" y="2298293"/>
-            <a:chExt cx="9491980" cy="2819068"/>
+            <a:off x="1424940" y="2371090"/>
+            <a:ext cx="9491980" cy="2763520"/>
           </a:xfrm>
-        </p:grpSpPr>
-        <p:sp>
-          <p:nvSpPr>
-            <p:cNvPr id="16" name="文本框 15"/>
-            <p:cNvSpPr txBox="1"/>
-            <p:nvPr/>
-          </p:nvSpPr>
-          <p:spPr>
-            <a:xfrm>
-              <a:off x="4978721" y="2298293"/>
-              <a:ext cx="2519680" cy="329495"/>
-            </a:xfrm>
-            <a:prstGeom prst="rect">
-              <a:avLst/>
-            </a:prstGeom>
+          <a:prstGeom prst="rect">
+            <a:avLst/>
+          </a:prstGeom>
+          <a:noFill/>
+          <a:ln>
             <a:noFill/>
-          </p:spPr>
-          <p:txBody>
-            <a:bodyPr wrap="square" rtlCol="0">
-              <a:spAutoFit/>
-            </a:bodyPr>
-            <a:lstStyle/>
-            <a:p>
-              <a:pPr algn="ctr"/>
-              <a:r>
-                <a:rPr lang="en-US" sz="2000" b="1" dirty="0">
-                  <a:solidFill>
-                    <a:schemeClr val="accent1"/>
-                  </a:solidFill>
-                  <a:cs typeface="+mn-ea"/>
-                  <a:sym typeface="+mn-lt"/>
-                </a:rPr>
-                <a:t>WebAssembly</a:t>
-              </a:r>
-              <a:endParaRPr lang="en-US" sz="2000" b="1" dirty="0">
+          </a:ln>
+          <a:extLst>
+            <a:ext uri="{909E8E84-426E-40DD-AFC4-6F175D3DCCD1}">
+              <a14:hiddenFill xmlns:a14="http://schemas.microsoft.com/office/drawing/2010/main">
                 <a:solidFill>
-                  <a:schemeClr val="accent1"/>
+                  <a:srgbClr val="FFFFFF"/>
                 </a:solidFill>
-                <a:cs typeface="+mn-ea"/>
-                <a:sym typeface="+mn-lt"/>
-              </a:endParaRPr>
-            </a:p>
-          </p:txBody>
-        </p:sp>
-        <p:sp>
-          <p:nvSpPr>
-            <p:cNvPr id="19" name="íŝļiḓè"/>
-            <p:cNvSpPr/>
-            <p:nvPr/>
-          </p:nvSpPr>
-          <p:spPr bwMode="auto">
-            <a:xfrm>
-              <a:off x="1492571" y="2833901"/>
-              <a:ext cx="9491980" cy="2283460"/>
-            </a:xfrm>
-            <a:prstGeom prst="rect">
-              <a:avLst/>
-            </a:prstGeom>
-            <a:noFill/>
-            <a:ln>
-              <a:noFill/>
-            </a:ln>
-            <a:extLst>
-              <a:ext uri="{909E8E84-426E-40DD-AFC4-6F175D3DCCD1}">
-                <a14:hiddenFill xmlns:a14="http://schemas.microsoft.com/office/drawing/2010/main">
-                  <a:solidFill>
-                    <a:srgbClr val="FFFFFF"/>
-                  </a:solidFill>
-                </a14:hiddenFill>
-              </a:ext>
-              <a:ext uri="{91240B29-F687-4F45-9708-019B960494DF}">
-                <a14:hiddenLine xmlns:a14="http://schemas.microsoft.com/office/drawing/2010/main" w="9525">
-                  <a:solidFill>
-                    <a:srgbClr val="000000"/>
-                  </a:solidFill>
-                  <a:miter lim="800000"/>
-                  <a:headEnd/>
-                  <a:tailEnd/>
-                </a14:hiddenLine>
-              </a:ext>
-            </a:extLst>
-          </p:spPr>
-          <p:txBody>
-            <a:bodyPr wrap="square" lIns="0" tIns="45720" rIns="0" bIns="45720" anchor="ctr" anchorCtr="0">
-              <a:normAutofit/>
-            </a:bodyPr>
-            <a:lstStyle>
-              <a:defPPr>
-                <a:defRPr lang="zh-CN"/>
-              </a:defPPr>
-              <a:lvl1pPr marL="0" algn="l" defTabSz="913765" rtl="0" eaLnBrk="1" latinLnBrk="0" hangingPunct="1">
-                <a:defRPr sz="1800" kern="1200">
-                  <a:solidFill>
-                    <a:schemeClr val="tx1"/>
-                  </a:solidFill>
-                </a:defRPr>
-              </a:lvl1pPr>
-              <a:lvl2pPr marL="457200" algn="l" defTabSz="913765" rtl="0" eaLnBrk="1" latinLnBrk="0" hangingPunct="1">
-                <a:defRPr sz="1800" kern="1200">
-                  <a:solidFill>
-                    <a:schemeClr val="tx1"/>
-                  </a:solidFill>
-                </a:defRPr>
-              </a:lvl2pPr>
-              <a:lvl3pPr marL="914400" algn="l" defTabSz="913765" rtl="0" eaLnBrk="1" latinLnBrk="0" hangingPunct="1">
-                <a:defRPr sz="1800" kern="1200">
-                  <a:solidFill>
-                    <a:schemeClr val="tx1"/>
-                  </a:solidFill>
-                </a:defRPr>
-              </a:lvl3pPr>
-              <a:lvl4pPr marL="1371600" algn="l" defTabSz="913765" rtl="0" eaLnBrk="1" latinLnBrk="0" hangingPunct="1">
-                <a:defRPr sz="1800" kern="1200">
-                  <a:solidFill>
-                    <a:schemeClr val="tx1"/>
-                  </a:solidFill>
-                </a:defRPr>
-              </a:lvl4pPr>
-              <a:lvl5pPr marL="1828800" algn="l" defTabSz="913765" rtl="0" eaLnBrk="1" latinLnBrk="0" hangingPunct="1">
-                <a:defRPr sz="1800" kern="1200">
-                  <a:solidFill>
-                    <a:schemeClr val="tx1"/>
-                  </a:solidFill>
-                </a:defRPr>
-              </a:lvl5pPr>
-              <a:lvl6pPr marL="2286000" algn="l" defTabSz="913765" rtl="0" eaLnBrk="1" latinLnBrk="0" hangingPunct="1">
-                <a:defRPr sz="1800" kern="1200">
-                  <a:solidFill>
-                    <a:schemeClr val="tx1"/>
-                  </a:solidFill>
-                </a:defRPr>
-              </a:lvl6pPr>
-              <a:lvl7pPr marL="2743200" algn="l" defTabSz="913765" rtl="0" eaLnBrk="1" latinLnBrk="0" hangingPunct="1">
-                <a:defRPr sz="1800" kern="1200">
-                  <a:solidFill>
-                    <a:schemeClr val="tx1"/>
-                  </a:solidFill>
-                </a:defRPr>
-              </a:lvl7pPr>
-              <a:lvl8pPr marL="3200400" algn="l" defTabSz="913765" rtl="0" eaLnBrk="1" latinLnBrk="0" hangingPunct="1">
-                <a:defRPr sz="1800" kern="1200">
-                  <a:solidFill>
-                    <a:schemeClr val="tx1"/>
-                  </a:solidFill>
-                </a:defRPr>
-              </a:lvl8pPr>
-              <a:lvl9pPr marL="3657600" algn="l" defTabSz="913765" rtl="0" eaLnBrk="1" latinLnBrk="0" hangingPunct="1">
-                <a:defRPr sz="1800" kern="1200">
-                  <a:solidFill>
-                    <a:schemeClr val="tx1"/>
-                  </a:solidFill>
-                </a:defRPr>
-              </a:lvl9pPr>
-            </a:lstStyle>
-            <a:p>
-              <a:pPr lvl="0" algn="l">
-                <a:lnSpc>
-                  <a:spcPct val="130000"/>
-                </a:lnSpc>
-                <a:spcBef>
-                  <a:spcPct val="0"/>
-                </a:spcBef>
-                <a:spcAft>
-                  <a:spcPct val="0"/>
-                </a:spcAft>
-                <a:defRPr/>
-              </a:pPr>
-              <a:r>
-                <a:rPr lang="en-US" altLang="zh-CN" dirty="0">
-                  <a:solidFill>
-                    <a:srgbClr val="000000"/>
-                  </a:solidFill>
-                  <a:cs typeface="+mn-ea"/>
-                  <a:sym typeface="+mn-lt"/>
-                </a:rPr>
-                <a:t>   </a:t>
-              </a:r>
-              <a:endParaRPr lang="en-US" altLang="zh-CN" dirty="0">
+              </a14:hiddenFill>
+            </a:ext>
+            <a:ext uri="{91240B29-F687-4F45-9708-019B960494DF}">
+              <a14:hiddenLine xmlns:a14="http://schemas.microsoft.com/office/drawing/2010/main" w="9525">
+                <a:solidFill>
+                  <a:srgbClr val="000000"/>
+                </a:solidFill>
+                <a:miter lim="800000"/>
+                <a:headEnd/>
+                <a:tailEnd/>
+              </a14:hiddenLine>
+            </a:ext>
+          </a:extLst>
+        </p:spPr>
+        <p:txBody>
+          <a:bodyPr wrap="square" lIns="0" tIns="45720" rIns="0" bIns="45720" anchor="ctr" anchorCtr="0">
+            <a:normAutofit/>
+          </a:bodyPr>
+          <a:lstStyle>
+            <a:defPPr>
+              <a:defRPr lang="zh-CN"/>
+            </a:defPPr>
+            <a:lvl1pPr marL="0" algn="l" defTabSz="913765" rtl="0" eaLnBrk="1" latinLnBrk="0" hangingPunct="1">
+              <a:defRPr sz="1800" kern="1200">
+                <a:solidFill>
+                  <a:schemeClr val="tx1"/>
+                </a:solidFill>
+              </a:defRPr>
+            </a:lvl1pPr>
+            <a:lvl2pPr marL="457200" algn="l" defTabSz="913765" rtl="0" eaLnBrk="1" latinLnBrk="0" hangingPunct="1">
+              <a:defRPr sz="1800" kern="1200">
+                <a:solidFill>
+                  <a:schemeClr val="tx1"/>
+                </a:solidFill>
+              </a:defRPr>
+            </a:lvl2pPr>
+            <a:lvl3pPr marL="914400" algn="l" defTabSz="913765" rtl="0" eaLnBrk="1" latinLnBrk="0" hangingPunct="1">
+              <a:defRPr sz="1800" kern="1200">
+                <a:solidFill>
+                  <a:schemeClr val="tx1"/>
+                </a:solidFill>
+              </a:defRPr>
+            </a:lvl3pPr>
+            <a:lvl4pPr marL="1371600" algn="l" defTabSz="913765" rtl="0" eaLnBrk="1" latinLnBrk="0" hangingPunct="1">
+              <a:defRPr sz="1800" kern="1200">
+                <a:solidFill>
+                  <a:schemeClr val="tx1"/>
+                </a:solidFill>
+              </a:defRPr>
+            </a:lvl4pPr>
+            <a:lvl5pPr marL="1828800" algn="l" defTabSz="913765" rtl="0" eaLnBrk="1" latinLnBrk="0" hangingPunct="1">
+              <a:defRPr sz="1800" kern="1200">
+                <a:solidFill>
+                  <a:schemeClr val="tx1"/>
+                </a:solidFill>
+              </a:defRPr>
+            </a:lvl5pPr>
+            <a:lvl6pPr marL="2286000" algn="l" defTabSz="913765" rtl="0" eaLnBrk="1" latinLnBrk="0" hangingPunct="1">
+              <a:defRPr sz="1800" kern="1200">
+                <a:solidFill>
+                  <a:schemeClr val="tx1"/>
+                </a:solidFill>
+              </a:defRPr>
+            </a:lvl6pPr>
+            <a:lvl7pPr marL="2743200" algn="l" defTabSz="913765" rtl="0" eaLnBrk="1" latinLnBrk="0" hangingPunct="1">
+              <a:defRPr sz="1800" kern="1200">
+                <a:solidFill>
+                  <a:schemeClr val="tx1"/>
+                </a:solidFill>
+              </a:defRPr>
+            </a:lvl7pPr>
+            <a:lvl8pPr marL="3200400" algn="l" defTabSz="913765" rtl="0" eaLnBrk="1" latinLnBrk="0" hangingPunct="1">
+              <a:defRPr sz="1800" kern="1200">
+                <a:solidFill>
+                  <a:schemeClr val="tx1"/>
+                </a:solidFill>
+              </a:defRPr>
+            </a:lvl8pPr>
+            <a:lvl9pPr marL="3657600" algn="l" defTabSz="913765" rtl="0" eaLnBrk="1" latinLnBrk="0" hangingPunct="1">
+              <a:defRPr sz="1800" kern="1200">
+                <a:solidFill>
+                  <a:schemeClr val="tx1"/>
+                </a:solidFill>
+              </a:defRPr>
+            </a:lvl9pPr>
+          </a:lstStyle>
+          <a:p>
+            <a:pPr lvl="0" algn="l">
+              <a:lnSpc>
+                <a:spcPct val="130000"/>
+              </a:lnSpc>
+              <a:spcBef>
+                <a:spcPct val="0"/>
+              </a:spcBef>
+              <a:spcAft>
+                <a:spcPct val="0"/>
+              </a:spcAft>
+              <a:defRPr/>
+            </a:pPr>
+            <a:r>
+              <a:rPr lang="en-US" altLang="zh-CN" dirty="0">
                 <a:solidFill>
                   <a:srgbClr val="000000"/>
                 </a:solidFill>
                 <a:cs typeface="+mn-ea"/>
                 <a:sym typeface="+mn-lt"/>
-              </a:endParaRPr>
-            </a:p>
-          </p:txBody>
-        </p:sp>
-      </p:grpSp>
+              </a:rPr>
+              <a:t>   </a:t>
+            </a:r>
+            <a:endParaRPr lang="en-US" altLang="zh-CN" dirty="0">
+              <a:solidFill>
+                <a:srgbClr val="000000"/>
+              </a:solidFill>
+              <a:cs typeface="+mn-ea"/>
+              <a:sym typeface="+mn-lt"/>
+            </a:endParaRPr>
+          </a:p>
+        </p:txBody>
+      </p:sp>
       <p:grpSp>
         <p:nvGrpSpPr>
           <p:cNvPr id="33" name="组合 32"/>
@@ -13881,8 +13965,8 @@
         </p:nvSpPr>
         <p:spPr>
           <a:xfrm>
-            <a:off x="1560195" y="2121535"/>
-            <a:ext cx="9356725" cy="2797175"/>
+            <a:off x="1560195" y="1702435"/>
+            <a:ext cx="9199880" cy="2797175"/>
           </a:xfrm>
           <a:prstGeom prst="rect">
             <a:avLst/>
@@ -13904,14 +13988,17 @@
               <a:t>    </a:t>
             </a:r>
             <a:r>
-              <a:rPr lang="en-US" sz="1600" b="1" dirty="0">
+              <a:rPr lang="en-US" sz="1600" dirty="0">
                 <a:solidFill>
-                  <a:schemeClr val="accent1"/>
+                  <a:schemeClr val="tx1">
+                    <a:lumMod val="95000"/>
+                    <a:lumOff val="5000"/>
+                  </a:schemeClr>
                 </a:solidFill>
                 <a:cs typeface="+mn-ea"/>
                 <a:sym typeface="+mn-lt"/>
               </a:rPr>
-              <a:t>WebAssembly</a:t>
+              <a:t>wasm</a:t>
             </a:r>
             <a:r>
               <a:rPr sz="1600"/>
@@ -13931,7 +14018,49 @@
             </a:pPr>
             <a:r>
               <a:rPr lang="zh-CN" sz="1600"/>
-              <a:t>    目前WASM仍处于发展阶段，但针对WASM的研究和应用一直处于广泛关注的状态。WASM适合用于大量计算的场景，例如以下场景：</a:t>
+              <a:t>    目前</a:t>
+            </a:r>
+            <a:r>
+              <a:rPr lang="en-US" sz="1600" dirty="0">
+                <a:solidFill>
+                  <a:schemeClr val="tx1">
+                    <a:lumMod val="95000"/>
+                    <a:lumOff val="5000"/>
+                  </a:schemeClr>
+                </a:solidFill>
+                <a:cs typeface="+mn-ea"/>
+                <a:sym typeface="+mn-lt"/>
+              </a:rPr>
+              <a:t>wasm</a:t>
+            </a:r>
+            <a:r>
+              <a:rPr lang="zh-CN" sz="1600"/>
+              <a:t>仍处于发展阶段，但针对</a:t>
+            </a:r>
+            <a:r>
+              <a:rPr lang="en-US" altLang="zh-CN" sz="1600"/>
+              <a:t>wasm</a:t>
+            </a:r>
+            <a:r>
+              <a:rPr lang="zh-CN" sz="1600"/>
+              <a:t>的研究和应用一直处于广泛关注的状态。</a:t>
+            </a:r>
+            <a:r>
+              <a:rPr lang="en-US" sz="1600" dirty="0">
+                <a:solidFill>
+                  <a:schemeClr val="tx1">
+                    <a:lumMod val="95000"/>
+                    <a:lumOff val="5000"/>
+                  </a:schemeClr>
+                </a:solidFill>
+                <a:cs typeface="+mn-ea"/>
+                <a:sym typeface="+mn-lt"/>
+              </a:rPr>
+              <a:t>wasm</a:t>
+            </a:r>
+            <a:r>
+              <a:rPr lang="zh-CN" sz="1600"/>
+              <a:t>适合用于大量计算的场景，例如以下场景：</a:t>
             </a:r>
             <a:endParaRPr lang="zh-CN" sz="1600"/>
           </a:p>
@@ -13943,7 +14072,17 @@
             </a:pPr>
             <a:r>
               <a:rPr lang="zh-CN" sz="1600"/>
-              <a:t>    处理音视频，Flv.js用WASM重写后性能有很大提升；</a:t>
+              <a:t>    处理音视频，Flv.js用</a:t>
+            </a:r>
+            <a:r>
+              <a:rPr lang="en-US" altLang="zh-CN" sz="1600">
+                <a:sym typeface="+mn-ea"/>
+              </a:rPr>
+              <a:t>wasm</a:t>
+            </a:r>
+            <a:r>
+              <a:rPr lang="zh-CN" sz="1600"/>
+              <a:t>重写后性能有很大提升；</a:t>
             </a:r>
             <a:endParaRPr lang="zh-CN" sz="1600"/>
           </a:p>
@@ -13955,7 +14094,17 @@
             </a:pPr>
             <a:r>
               <a:rPr lang="zh-CN" sz="1600"/>
-              <a:t>    Tensorflow.js一种在浏览器中训练和推理模型的技术也利用了WASM来加快模型训练、推理、可视化等等场景。</a:t>
+              <a:t>    Tensorflow.js一种在浏览器中训练和推理模型的技术也利用了</a:t>
+            </a:r>
+            <a:r>
+              <a:rPr lang="en-US" altLang="zh-CN" sz="1600">
+                <a:sym typeface="+mn-ea"/>
+              </a:rPr>
+              <a:t>wasm</a:t>
+            </a:r>
+            <a:r>
+              <a:rPr lang="zh-CN" sz="1600"/>
+              <a:t>来加快模型训练、推理、可视化等等场景。</a:t>
             </a:r>
             <a:endParaRPr lang="zh-CN" sz="1600"/>
           </a:p>
@@ -13967,7 +14116,24 @@
             </a:pPr>
             <a:r>
               <a:rPr lang="zh-CN" sz="1600"/>
-              <a:t>    WASM目前被大多数浏览器厂商、多种编程语言支持，并且广泛应用于各种高性能容器场景，嵌入式系统以及边缘计算，同时尤其是给在Web技术架构下处理CPU密集型任务打开了一扇大门。</a:t>
+              <a:t>    </a:t>
+            </a:r>
+            <a:r>
+              <a:rPr lang="en-US" sz="1600" dirty="0">
+                <a:solidFill>
+                  <a:schemeClr val="tx1">
+                    <a:lumMod val="95000"/>
+                    <a:lumOff val="5000"/>
+                  </a:schemeClr>
+                </a:solidFill>
+                <a:cs typeface="+mn-ea"/>
+                <a:sym typeface="+mn-lt"/>
+              </a:rPr>
+              <a:t>wasm</a:t>
+            </a:r>
+            <a:r>
+              <a:rPr lang="zh-CN" sz="1600"/>
+              <a:t>目前被大多数浏览器厂商、多种编程语言支持，并且广泛应用于各种高性能容器场景，嵌入式系统以及边缘计算，同时尤其是给在Web技术架构下处理CPU密集型任务打开了一扇大门。</a:t>
             </a:r>
             <a:endParaRPr lang="zh-CN" sz="1600"/>
           </a:p>
@@ -14526,9 +14692,103 @@
             </a:pPr>
             <a:r>
               <a:rPr lang="en-US" altLang="zh-CN" sz="1600"/>
-              <a:t>    WASM运行效率高是因为它通过自定义虚拟指令集和拥有独立的堆栈虚拟机，并且不需要管理垃圾回收等问题。虚拟指令集是用于构成WASM模块核心功能的关键元素之一。需要让执行环境理解编码的意思，必须要让执行环境先理解指令集，然后根据指令集再对二进制编码进行编译，进而被执行。通过这两项核心，WASM的执行效率几乎和native的源码运行效率差不多。 </a:t>
-            </a:r>
-            <a:endParaRPr lang="zh-CN" sz="1600"/>
+              <a:t>    </a:t>
+            </a:r>
+            <a:r>
+              <a:rPr lang="en-US" sz="1600" dirty="0">
+                <a:solidFill>
+                  <a:schemeClr val="tx1">
+                    <a:lumMod val="95000"/>
+                    <a:lumOff val="5000"/>
+                  </a:schemeClr>
+                </a:solidFill>
+                <a:cs typeface="+mn-ea"/>
+                <a:sym typeface="+mn-lt"/>
+              </a:rPr>
+              <a:t>wasm</a:t>
+            </a:r>
+            <a:r>
+              <a:rPr lang="en-US" altLang="zh-CN" sz="1600"/>
+              <a:t>运行效率高是因为它通过自定义虚拟指令集和拥有独立的堆栈虚拟机，并且不需要管理垃圾回收等问题。通过这两项核心</a:t>
+            </a:r>
+            <a:r>
+              <a:rPr lang="zh-CN" altLang="en-US" sz="1600"/>
+              <a:t>元素</a:t>
+            </a:r>
+            <a:r>
+              <a:rPr lang="en-US" altLang="zh-CN" sz="1600"/>
+              <a:t>，</a:t>
+            </a:r>
+            <a:r>
+              <a:rPr lang="en-US" sz="1600" dirty="0">
+                <a:solidFill>
+                  <a:schemeClr val="tx1">
+                    <a:lumMod val="95000"/>
+                    <a:lumOff val="5000"/>
+                  </a:schemeClr>
+                </a:solidFill>
+                <a:cs typeface="+mn-ea"/>
+                <a:sym typeface="+mn-lt"/>
+              </a:rPr>
+              <a:t>wasm</a:t>
+            </a:r>
+            <a:r>
+              <a:rPr lang="en-US" altLang="zh-CN" sz="1600"/>
+              <a:t>的执行效率几乎和native的源码运行效率差不多。 </a:t>
+            </a:r>
+            <a:endParaRPr lang="en-US" altLang="zh-CN" sz="1600"/>
+          </a:p>
+          <a:p>
+            <a:pPr>
+              <a:lnSpc>
+                <a:spcPct val="110000"/>
+              </a:lnSpc>
+            </a:pPr>
+            <a:r>
+              <a:rPr lang="zh-CN" sz="1600"/>
+              <a:t>    所以迁移</a:t>
+            </a:r>
+            <a:r>
+              <a:rPr lang="en-US" altLang="zh-CN" sz="1600"/>
+              <a:t>wasm</a:t>
+            </a:r>
+            <a:r>
+              <a:rPr lang="zh-CN" altLang="en-US" sz="1600"/>
+              <a:t>编码对</a:t>
+            </a:r>
+            <a:r>
+              <a:rPr lang="en-US" altLang="zh-CN" sz="1600"/>
+              <a:t>FFmpeg</a:t>
+            </a:r>
+            <a:r>
+              <a:rPr lang="zh-CN" altLang="en-US" sz="1600"/>
+              <a:t>开发模块进行编译，最后利用</a:t>
+            </a:r>
+            <a:r>
+              <a:rPr lang="en-US" altLang="zh-CN" sz="1600"/>
+              <a:t>web worker</a:t>
+            </a:r>
+            <a:r>
+              <a:rPr lang="zh-CN" altLang="en-US" sz="1600"/>
+              <a:t>加载</a:t>
+            </a:r>
+            <a:r>
+              <a:rPr lang="en-US" altLang="zh-CN" sz="1600"/>
+              <a:t>web</a:t>
+            </a:r>
+            <a:r>
+              <a:rPr lang="zh-CN" altLang="en-US" sz="1600"/>
+              <a:t>环境并调用执行，解决</a:t>
+            </a:r>
+            <a:r>
+              <a:rPr lang="en-US" altLang="zh-CN" sz="1600"/>
+              <a:t>web</a:t>
+            </a:r>
+            <a:r>
+              <a:rPr lang="zh-CN" altLang="en-US" sz="1600"/>
+              <a:t>的性能瓶颈。</a:t>
+            </a:r>
+            <a:endParaRPr lang="zh-CN" altLang="en-US" sz="1600"/>
           </a:p>
         </p:txBody>
       </p:sp>
@@ -14548,7 +14808,7 @@
         </p:blipFill>
         <p:spPr>
           <a:xfrm>
-            <a:off x="3911600" y="3087370"/>
+            <a:off x="3794760" y="3017520"/>
             <a:ext cx="4273550" cy="2404110"/>
           </a:xfrm>
           <a:prstGeom prst="rect">
@@ -16652,7 +16912,7 @@
           <a:p>
             <a:r>
               <a:rPr lang="en-US" altLang="zh-CN" sz="1600"/>
-              <a:t>通过emcc命令将fib.c文件单独编译为WASM模块，并在JavaScript中引入调用</a:t>
+              <a:t>         通过emcc命令将fib.c文件单独编译为WASM模块，并在JavaScript中引入调用</a:t>
             </a:r>
             <a:endParaRPr lang="en-US" altLang="zh-CN" sz="1600"/>
           </a:p>
@@ -16800,7 +17060,7 @@
           </p:nvPr>
         </p:nvGraphicFramePr>
         <p:xfrm>
-          <a:off x="2753360" y="4255770"/>
+          <a:off x="2744470" y="4030980"/>
           <a:ext cx="6137275" cy="1278890"/>
         </p:xfrm>
         <a:graphic>
@@ -18386,7 +18646,7 @@
         <p:spPr>
           <a:xfrm>
             <a:off x="1185545" y="1155700"/>
-            <a:ext cx="9782810" cy="2830195"/>
+            <a:ext cx="9782810" cy="2584450"/>
           </a:xfrm>
           <a:prstGeom prst="rect">
             <a:avLst/>
@@ -18438,9 +18698,9 @@
           <a:p>
             <a:r>
               <a:rPr lang="zh-CN" altLang="en-US" sz="1600"/>
-              <a:t>    尽管本小节的实验存在一定的误差因素，考虑的纬度还不够全面。但足以证明WASM编码可以对FFmpeg源代码进行编译处理后，在JavaScript中运行且可以拥有良好的执行效率，为本课题的研究以及后续工作打下了坚实的基础。</a:t>
-            </a:r>
-            <a:endParaRPr lang="zh-CN" altLang="en-US" sz="1600"/>
+              <a:t>    尽管本小节的实验存在一定的误差因素，考虑的纬度还不够全面。但足以证明WASM编码可以对FFmpeg源代码进行编译处理后，在JavaScript中运行且可以拥有良好的执行效率。</a:t>
+            </a:r>
+            <a:endParaRPr lang="en-US" altLang="zh-CN" sz="1600"/>
           </a:p>
         </p:txBody>
       </p:sp>
@@ -18775,7 +19035,7 @@
           <a:p>
             <a:r>
               <a:rPr sz="1600"/>
-              <a:t>    Web Worker为Web内容在后台线程中运行脚本提供了可能。通过Web Worker线程去执行任务而不影响JavaScript主进程。Web Workers 和主线程数据传递是通过消息机制进行通讯和同步，使用onmessage事件处理函数来响应消息。所以本课题</a:t>
+              <a:t>    Web Worker为Web内容在后台线程中运行脚本提供了可能。通过Web Worker线程去执行任务而不影响JavaScript主进程。Web Worker和主线程数据传递是通过消息机制进行通讯和同步，使用onmessage事件处理函数来响应消息。所以本课题</a:t>
             </a:r>
             <a:r>
               <a:rPr lang="zh-CN" sz="1600"/>
@@ -25610,7 +25870,7 @@
         <p:spPr>
           <a:xfrm>
             <a:off x="1419860" y="1438910"/>
-            <a:ext cx="9269730" cy="3138170"/>
+            <a:ext cx="9269730" cy="4246245"/>
           </a:xfrm>
           <a:prstGeom prst="rect">
             <a:avLst/>
@@ -25696,11 +25956,11 @@
             </a:r>
             <a:r>
               <a:rPr lang="zh-CN" altLang="en-US"/>
-              <a:t>方向：研究编译</a:t>
+              <a:t>方向：研究迁移编译</a:t>
             </a:r>
             <a:r>
               <a:rPr lang="en-US" altLang="zh-CN"/>
-              <a:t>WASM</a:t>
+              <a:t>wasm</a:t>
             </a:r>
             <a:r>
               <a:rPr lang="zh-CN" altLang="en-US"/>
@@ -25718,11 +25978,11 @@
             </a:r>
             <a:r>
               <a:rPr lang="en-US" altLang="zh-CN"/>
-              <a:t>(2) WASM</a:t>
+              <a:t>(2) wasm</a:t>
             </a:r>
             <a:r>
               <a:rPr lang="zh-CN" altLang="en-US"/>
-              <a:t>或者视频文件太大，触发</a:t>
+              <a:t>模块文件和音视频文件太大，触发</a:t>
             </a:r>
             <a:r>
               <a:rPr lang="en-US" altLang="zh-CN"/>
@@ -25780,6 +26040,72 @@
               <a:rPr lang="zh-CN" altLang="en-US"/>
               <a:t>方向：对音视频处理的研究和学习，包括（解码、流数据的处理、帧数据的处理）</a:t>
             </a:r>
+            <a:endParaRPr lang="zh-CN" altLang="en-US"/>
+          </a:p>
+          <a:p>
+            <a:endParaRPr lang="zh-CN" altLang="en-US"/>
+          </a:p>
+          <a:p>
+            <a:r>
+              <a:rPr lang="zh-CN" altLang="en-US">
+                <a:sym typeface="+mn-ea"/>
+              </a:rPr>
+              <a:t>    </a:t>
+            </a:r>
+            <a:r>
+              <a:rPr lang="en-US" altLang="zh-CN">
+                <a:sym typeface="+mn-ea"/>
+              </a:rPr>
+              <a:t>(4) </a:t>
+            </a:r>
+            <a:r>
+              <a:rPr lang="zh-CN" altLang="en-US">
+                <a:sym typeface="+mn-ea"/>
+              </a:rPr>
+              <a:t>系统实现</a:t>
+            </a:r>
+            <a:endParaRPr lang="zh-CN" altLang="en-US"/>
+          </a:p>
+          <a:p>
+            <a:r>
+              <a:rPr lang="en-US" altLang="zh-CN">
+                <a:sym typeface="+mn-ea"/>
+              </a:rPr>
+              <a:t>	</a:t>
+            </a:r>
+            <a:r>
+              <a:rPr lang="zh-CN" altLang="en-US">
+                <a:sym typeface="+mn-ea"/>
+              </a:rPr>
+              <a:t>方向：基于</a:t>
+            </a:r>
+            <a:r>
+              <a:rPr lang="en-US" altLang="zh-CN">
+                <a:sym typeface="+mn-ea"/>
+              </a:rPr>
+              <a:t>Web</a:t>
+            </a:r>
+            <a:r>
+              <a:rPr lang="zh-CN" altLang="en-US">
+                <a:sym typeface="+mn-ea"/>
+              </a:rPr>
+              <a:t>跨平台开发框架</a:t>
+            </a:r>
+            <a:r>
+              <a:rPr lang="en-US" altLang="zh-CN">
+                <a:sym typeface="+mn-ea"/>
+              </a:rPr>
+              <a:t>Electron</a:t>
+            </a:r>
+            <a:r>
+              <a:rPr lang="zh-CN" altLang="en-US">
+                <a:sym typeface="+mn-ea"/>
+              </a:rPr>
+              <a:t>实现</a:t>
+            </a:r>
+            <a:endParaRPr lang="zh-CN" altLang="en-US"/>
+          </a:p>
+          <a:p>
             <a:endParaRPr lang="zh-CN" altLang="en-US"/>
           </a:p>
         </p:txBody>
@@ -26314,7 +26640,7 @@
         </p:nvSpPr>
         <p:spPr>
           <a:xfrm>
-            <a:off x="862330" y="1391285"/>
+            <a:off x="827405" y="1390015"/>
             <a:ext cx="10248265" cy="4077970"/>
           </a:xfrm>
           <a:prstGeom prst="rect">
@@ -26427,7 +26753,7 @@
                 <a:cs typeface="+mn-ea"/>
                 <a:sym typeface="+mn-lt"/>
               </a:rPr>
-              <a:t>加载设计</a:t>
+              <a:t>资源加载设计</a:t>
             </a:r>
             <a:r>
               <a:rPr lang="zh-CN" altLang="en-US" dirty="0">
@@ -26445,6 +26771,19 @@
                 <a:sym typeface="+mn-lt"/>
               </a:rPr>
               <a:t>跨平台</a:t>
+            </a:r>
+            <a:r>
+              <a:rPr lang="zh-CN" altLang="en-US" dirty="0">
+                <a:solidFill>
+                  <a:schemeClr val="tx1">
+                    <a:lumMod val="95000"/>
+                    <a:lumOff val="5000"/>
+                  </a:schemeClr>
+                </a:solidFill>
+                <a:cs typeface="+mn-ea"/>
+                <a:sym typeface="+mn-lt"/>
+              </a:rPr>
+              <a:t>的</a:t>
             </a:r>
             <a:r>
               <a:rPr lang="zh-CN" altLang="en-US" dirty="0">
@@ -27327,7 +27666,7 @@
         <p:spPr>
           <a:xfrm>
             <a:off x="1127125" y="1574165"/>
-            <a:ext cx="10107295" cy="2553335"/>
+            <a:ext cx="10107295" cy="3041015"/>
           </a:xfrm>
           <a:prstGeom prst="rect">
             <a:avLst/>
@@ -27339,20 +27678,35 @@
             <a:spAutoFit/>
           </a:bodyPr>
           <a:p>
+            <a:pPr>
+              <a:lnSpc>
+                <a:spcPct val="120000"/>
+              </a:lnSpc>
+            </a:pPr>
             <a:r>
               <a:rPr lang="en-US" altLang="zh-CN" sz="1600"/>
               <a:t>    </a:t>
             </a:r>
             <a:r>
               <a:rPr lang="zh-CN" altLang="en-US" sz="1600"/>
-              <a:t>FFmpeg库是一个开源免费的跨平台音视频分离、转换、解码于一体的音视频工具，方便音视频的相关，同时包含了对流媒体的格式转换，媒体协议的转变、音视频的码率控制，采样率的改变以及色彩格式的修改。FFmpeg源代码采用LGPL(Lesser General Public Lisense)或GPL(General Public Lisense)许可证。</a:t>
+              <a:t>FFmpeg库是一个开源免费的跨平台音视频分离、转换、解码于一体的音视频工具，可以进行音视频的相关的处理，同时包含了对流媒体的格式转换，媒体协议的转变、音视频的码率控制，采样率的改变以及色彩格式的修改。FFmpeg源代码采用LGPL(Lesser General Public Lisense)或GPL(General Public Lisense)许可证。</a:t>
             </a:r>
             <a:endParaRPr lang="zh-CN" altLang="en-US" sz="1600"/>
           </a:p>
           <a:p>
+            <a:pPr>
+              <a:lnSpc>
+                <a:spcPct val="120000"/>
+              </a:lnSpc>
+            </a:pPr>
             <a:endParaRPr lang="zh-CN" altLang="en-US" sz="1600"/>
           </a:p>
           <a:p>
+            <a:pPr>
+              <a:lnSpc>
+                <a:spcPct val="120000"/>
+              </a:lnSpc>
+            </a:pPr>
             <a:r>
               <a:rPr lang="zh-CN" altLang="en-US" sz="1600"/>
               <a:t>    FFmpeg支持MPEG、Divx、MPEG-4、FLV等40多种编码方式，以及AVI、OGG、Matroska、ASF等90多种解码方式。</a:t>
@@ -27360,9 +27714,19 @@
             <a:endParaRPr lang="zh-CN" altLang="en-US" sz="1600"/>
           </a:p>
           <a:p>
+            <a:pPr>
+              <a:lnSpc>
+                <a:spcPct val="120000"/>
+              </a:lnSpc>
+            </a:pPr>
             <a:endParaRPr lang="zh-CN" altLang="en-US" sz="1600"/>
           </a:p>
           <a:p>
+            <a:pPr>
+              <a:lnSpc>
+                <a:spcPct val="120000"/>
+              </a:lnSpc>
+            </a:pPr>
             <a:r>
               <a:rPr lang="zh-CN" altLang="en-US" sz="1600"/>
               <a:t>    FFmpeg的开发基于Linux操作系统，并且可以在大多数操作系统中编译和使用，包括Windows平台、MacOS平台甚至是安卓平台等。因为其开源性、良好的跨平台性以及可移植等特点，得到了广泛应用，MPlayer、VLC以及国内QQ影音等等播放器都用到了FFmpeg库。</a:t>

--- a/doc/paper/v2/缑通旺-开题.pptx
+++ b/doc/paper/v2/缑通旺-开题.pptx
@@ -20,12 +20,12 @@
     <p:sldId id="876" r:id="rId10"/>
     <p:sldId id="853" r:id="rId11"/>
     <p:sldId id="976" r:id="rId12"/>
-    <p:sldId id="886" r:id="rId13"/>
-    <p:sldId id="1013" r:id="rId14"/>
-    <p:sldId id="887" r:id="rId15"/>
-    <p:sldId id="996" r:id="rId16"/>
-    <p:sldId id="1025" r:id="rId17"/>
-    <p:sldId id="879" r:id="rId18"/>
+    <p:sldId id="1013" r:id="rId13"/>
+    <p:sldId id="887" r:id="rId14"/>
+    <p:sldId id="996" r:id="rId15"/>
+    <p:sldId id="1025" r:id="rId16"/>
+    <p:sldId id="879" r:id="rId17"/>
+    <p:sldId id="886" r:id="rId18"/>
     <p:sldId id="1005" r:id="rId19"/>
     <p:sldId id="998" r:id="rId20"/>
     <p:sldId id="889" r:id="rId21"/>
@@ -145,12 +145,12 @@
             <p14:sldId id="876"/>
             <p14:sldId id="853"/>
             <p14:sldId id="976"/>
-            <p14:sldId id="886"/>
             <p14:sldId id="1013"/>
             <p14:sldId id="887"/>
             <p14:sldId id="996"/>
             <p14:sldId id="1025"/>
             <p14:sldId id="879"/>
+            <p14:sldId id="886"/>
             <p14:sldId id="1005"/>
             <p14:sldId id="998"/>
             <p14:sldId id="889"/>
@@ -10304,7 +10304,7 @@
                 <a:cs typeface="+mn-ea"/>
                 <a:sym typeface="+mn-lt"/>
               </a:rPr>
-              <a:t>2022/4/20</a:t>
+              <a:t>2022/5/04</a:t>
             </a:r>
             <a:endParaRPr lang="en-US" altLang="zh-CN" sz="2000" dirty="0">
               <a:solidFill>
@@ -10655,288 +10655,6 @@
               <a:rPr lang="zh-CN" altLang="en-US" sz="2000" dirty="0">
                 <a:sym typeface="+mn-lt"/>
               </a:rPr>
-              <a:t>功能设计</a:t>
-            </a:r>
-            <a:endParaRPr lang="zh-CN" altLang="en-US" sz="2000" dirty="0">
-              <a:sym typeface="+mn-lt"/>
-            </a:endParaRPr>
-          </a:p>
-        </p:txBody>
-      </p:sp>
-      <p:sp>
-        <p:nvSpPr>
-          <p:cNvPr id="5" name="灯片编号占位符 4"/>
-          <p:cNvSpPr>
-            <a:spLocks noGrp="1"/>
-          </p:cNvSpPr>
-          <p:nvPr>
-            <p:ph type="sldNum" sz="quarter" idx="12"/>
-          </p:nvPr>
-        </p:nvSpPr>
-        <p:spPr/>
-        <p:txBody>
-          <a:bodyPr/>
-          <a:lstStyle/>
-          <a:p>
-            <a:fld id="{2515AB8F-1C56-49E9-90C8-78D22B0C1B97}" type="slidenum">
-              <a:rPr lang="zh-CN" altLang="en-US" smtClean="0">
-                <a:sym typeface="+mn-lt"/>
-              </a:rPr>
-            </a:fld>
-            <a:endParaRPr lang="zh-CN" altLang="en-US">
-              <a:sym typeface="+mn-lt"/>
-            </a:endParaRPr>
-          </a:p>
-        </p:txBody>
-      </p:sp>
-      <p:pic>
-        <p:nvPicPr>
-          <p:cNvPr id="7" name="图片 2"/>
-          <p:cNvPicPr>
-            <a:picLocks noChangeAspect="1"/>
-          </p:cNvPicPr>
-          <p:nvPr/>
-        </p:nvPicPr>
-        <p:blipFill>
-          <a:blip r:embed="rId1"/>
-          <a:stretch>
-            <a:fillRect/>
-          </a:stretch>
-        </p:blipFill>
-        <p:spPr>
-          <a:xfrm>
-            <a:off x="6579870" y="2710180"/>
-            <a:ext cx="4131945" cy="2973070"/>
-          </a:xfrm>
-          <a:prstGeom prst="rect">
-            <a:avLst/>
-          </a:prstGeom>
-          <a:noFill/>
-          <a:ln w="9525">
-            <a:noFill/>
-          </a:ln>
-        </p:spPr>
-      </p:pic>
-      <p:sp>
-        <p:nvSpPr>
-          <p:cNvPr id="8" name="文本框 7"/>
-          <p:cNvSpPr txBox="1"/>
-          <p:nvPr/>
-        </p:nvSpPr>
-        <p:spPr>
-          <a:xfrm>
-            <a:off x="2298700" y="3126105"/>
-            <a:ext cx="2854960" cy="306705"/>
-          </a:xfrm>
-          <a:prstGeom prst="rect">
-            <a:avLst/>
-          </a:prstGeom>
-          <a:noFill/>
-        </p:spPr>
-        <p:txBody>
-          <a:bodyPr wrap="square" rtlCol="0">
-            <a:spAutoFit/>
-          </a:bodyPr>
-          <a:p>
-            <a:r>
-              <a:rPr lang="zh-CN" sz="1400">
-                <a:sym typeface="+mn-ea"/>
-              </a:rPr>
-              <a:t>（</a:t>
-            </a:r>
-            <a:r>
-              <a:rPr lang="en-US" altLang="zh-CN" sz="1400">
-                <a:sym typeface="+mn-ea"/>
-              </a:rPr>
-              <a:t>1</a:t>
-            </a:r>
-            <a:r>
-              <a:rPr lang="zh-CN" sz="1400">
-                <a:sym typeface="+mn-ea"/>
-              </a:rPr>
-              <a:t>）</a:t>
-            </a:r>
-            <a:r>
-              <a:rPr sz="1400">
-                <a:sym typeface="+mn-ea"/>
-              </a:rPr>
-              <a:t>不同格式音视频解码播放</a:t>
-            </a:r>
-            <a:endParaRPr lang="zh-CN" altLang="en-US" sz="1400">
-              <a:sym typeface="+mn-ea"/>
-            </a:endParaRPr>
-          </a:p>
-        </p:txBody>
-      </p:sp>
-      <p:sp>
-        <p:nvSpPr>
-          <p:cNvPr id="9" name="文本框 8"/>
-          <p:cNvSpPr txBox="1"/>
-          <p:nvPr/>
-        </p:nvSpPr>
-        <p:spPr>
-          <a:xfrm>
-            <a:off x="7383145" y="5683250"/>
-            <a:ext cx="2854960" cy="306705"/>
-          </a:xfrm>
-          <a:prstGeom prst="rect">
-            <a:avLst/>
-          </a:prstGeom>
-          <a:noFill/>
-        </p:spPr>
-        <p:txBody>
-          <a:bodyPr wrap="square" rtlCol="0">
-            <a:spAutoFit/>
-          </a:bodyPr>
-          <a:p>
-            <a:r>
-              <a:rPr lang="zh-CN" sz="1400">
-                <a:sym typeface="+mn-ea"/>
-              </a:rPr>
-              <a:t>（</a:t>
-            </a:r>
-            <a:r>
-              <a:rPr lang="en-US" altLang="zh-CN" sz="1400">
-                <a:sym typeface="+mn-ea"/>
-              </a:rPr>
-              <a:t>2</a:t>
-            </a:r>
-            <a:r>
-              <a:rPr lang="zh-CN" sz="1400">
-                <a:sym typeface="+mn-ea"/>
-              </a:rPr>
-              <a:t>）添加</a:t>
-            </a:r>
-            <a:r>
-              <a:rPr sz="1400">
-                <a:sym typeface="+mn-ea"/>
-              </a:rPr>
-              <a:t>音频字幕</a:t>
-            </a:r>
-            <a:endParaRPr lang="zh-CN" altLang="en-US" sz="1400">
-              <a:sym typeface="+mn-ea"/>
-            </a:endParaRPr>
-          </a:p>
-        </p:txBody>
-      </p:sp>
-      <p:sp>
-        <p:nvSpPr>
-          <p:cNvPr id="10" name="文本框 9"/>
-          <p:cNvSpPr txBox="1"/>
-          <p:nvPr/>
-        </p:nvSpPr>
-        <p:spPr>
-          <a:xfrm>
-            <a:off x="1091565" y="1059815"/>
-            <a:ext cx="9620250" cy="337185"/>
-          </a:xfrm>
-          <a:prstGeom prst="rect">
-            <a:avLst/>
-          </a:prstGeom>
-          <a:noFill/>
-        </p:spPr>
-        <p:txBody>
-          <a:bodyPr wrap="square" rtlCol="0">
-            <a:spAutoFit/>
-          </a:bodyPr>
-          <a:p>
-            <a:r>
-              <a:rPr lang="zh-CN" altLang="en-US" sz="1600"/>
-              <a:t>系统功能包括音视频解码播放、音视频剪裁合并、音视频格式转换、添加字幕音频等等</a:t>
-            </a:r>
-            <a:endParaRPr lang="zh-CN" altLang="en-US" sz="1600"/>
-          </a:p>
-        </p:txBody>
-      </p:sp>
-      <p:pic>
-        <p:nvPicPr>
-          <p:cNvPr id="6" name="图片 1"/>
-          <p:cNvPicPr>
-            <a:picLocks noChangeAspect="1"/>
-          </p:cNvPicPr>
-          <p:nvPr/>
-        </p:nvPicPr>
-        <p:blipFill>
-          <a:blip r:embed="rId2"/>
-          <a:stretch>
-            <a:fillRect/>
-          </a:stretch>
-        </p:blipFill>
-        <p:spPr>
-          <a:xfrm>
-            <a:off x="822960" y="1807845"/>
-            <a:ext cx="6215380" cy="1203325"/>
-          </a:xfrm>
-          <a:prstGeom prst="rect">
-            <a:avLst/>
-          </a:prstGeom>
-          <a:noFill/>
-          <a:ln w="9525">
-            <a:noFill/>
-          </a:ln>
-        </p:spPr>
-      </p:pic>
-    </p:spTree>
-  </p:cSld>
-  <p:clrMapOvr>
-    <a:masterClrMapping/>
-  </p:clrMapOvr>
-</p:sld>
-</file>
-
-<file path=ppt/slides/slide11.xml><?xml version="1.0" encoding="utf-8"?>
-<p:sld xmlns:a="http://schemas.openxmlformats.org/drawingml/2006/main" xmlns:r="http://schemas.openxmlformats.org/officeDocument/2006/relationships" xmlns:p="http://schemas.openxmlformats.org/presentationml/2006/main">
-  <p:cSld>
-    <p:spTree>
-      <p:nvGrpSpPr>
-        <p:cNvPr id="1" name=""/>
-        <p:cNvGrpSpPr/>
-        <p:nvPr/>
-      </p:nvGrpSpPr>
-      <p:grpSpPr>
-        <a:xfrm>
-          <a:off x="0" y="0"/>
-          <a:ext cx="0" cy="0"/>
-          <a:chOff x="0" y="0"/>
-          <a:chExt cx="0" cy="0"/>
-        </a:xfrm>
-      </p:grpSpPr>
-      <p:sp>
-        <p:nvSpPr>
-          <p:cNvPr id="2" name="标题 1"/>
-          <p:cNvSpPr>
-            <a:spLocks noGrp="1"/>
-          </p:cNvSpPr>
-          <p:nvPr>
-            <p:ph type="title"/>
-          </p:nvPr>
-        </p:nvSpPr>
-        <p:spPr>
-          <a:xfrm>
-            <a:off x="1091255" y="237834"/>
-            <a:ext cx="8168208" cy="790865"/>
-          </a:xfrm>
-        </p:spPr>
-        <p:txBody>
-          <a:bodyPr/>
-          <a:lstStyle/>
-          <a:p>
-            <a:r>
-              <a:rPr lang="en-US" altLang="zh-CN" sz="3200" dirty="0">
-                <a:sym typeface="+mn-lt"/>
-              </a:rPr>
-              <a:t>3</a:t>
-            </a:r>
-            <a:r>
-              <a:rPr lang="zh-CN" altLang="en-US" sz="3200" dirty="0">
-                <a:sym typeface="+mn-lt"/>
-              </a:rPr>
-              <a:t>、研究内容 </a:t>
-            </a:r>
-            <a:r>
-              <a:rPr lang="zh-CN" altLang="en-US" sz="2000" dirty="0">
-                <a:sym typeface="+mn-lt"/>
-              </a:rPr>
               <a:t>兼容性模块设计</a:t>
             </a:r>
             <a:endParaRPr lang="zh-CN" altLang="en-US" sz="2000" dirty="0">
@@ -11075,7 +10793,7 @@
 </p:sld>
 </file>
 
-<file path=ppt/slides/slide12.xml><?xml version="1.0" encoding="utf-8"?>
+<file path=ppt/slides/slide11.xml><?xml version="1.0" encoding="utf-8"?>
 <p:sld xmlns:a="http://schemas.openxmlformats.org/drawingml/2006/main" xmlns:r="http://schemas.openxmlformats.org/officeDocument/2006/relationships" xmlns:p="http://schemas.openxmlformats.org/presentationml/2006/main">
   <p:cSld>
     <p:spTree>
@@ -11714,7 +11432,7 @@
 </p:sld>
 </file>
 
-<file path=ppt/slides/slide13.xml><?xml version="1.0" encoding="utf-8"?>
+<file path=ppt/slides/slide12.xml><?xml version="1.0" encoding="utf-8"?>
 <p:sld xmlns:a="http://schemas.openxmlformats.org/drawingml/2006/main" xmlns:r="http://schemas.openxmlformats.org/officeDocument/2006/relationships" xmlns:p="http://schemas.openxmlformats.org/presentationml/2006/main">
   <p:cSld>
     <p:spTree>
@@ -11997,7 +11715,7 @@
 </p:sld>
 </file>
 
-<file path=ppt/slides/slide14.xml><?xml version="1.0" encoding="utf-8"?>
+<file path=ppt/slides/slide13.xml><?xml version="1.0" encoding="utf-8"?>
 <p:sld xmlns:a="http://schemas.openxmlformats.org/drawingml/2006/main" xmlns:r="http://schemas.openxmlformats.org/officeDocument/2006/relationships" xmlns:p="http://schemas.openxmlformats.org/presentationml/2006/main">
   <p:cSld>
     <p:spTree>
@@ -12637,6 +12355,166 @@
 </p:sld>
 </file>
 
+<file path=ppt/slides/slide14.xml><?xml version="1.0" encoding="utf-8"?>
+<p:sld xmlns:a="http://schemas.openxmlformats.org/drawingml/2006/main" xmlns:r="http://schemas.openxmlformats.org/officeDocument/2006/relationships" xmlns:p="http://schemas.openxmlformats.org/presentationml/2006/main">
+  <p:cSld>
+    <p:spTree>
+      <p:nvGrpSpPr>
+        <p:cNvPr id="1" name=""/>
+        <p:cNvGrpSpPr/>
+        <p:nvPr/>
+      </p:nvGrpSpPr>
+      <p:grpSpPr>
+        <a:xfrm>
+          <a:off x="0" y="0"/>
+          <a:ext cx="0" cy="0"/>
+          <a:chOff x="0" y="0"/>
+          <a:chExt cx="0" cy="0"/>
+        </a:xfrm>
+      </p:grpSpPr>
+      <p:sp>
+        <p:nvSpPr>
+          <p:cNvPr id="2" name="标题 1"/>
+          <p:cNvSpPr>
+            <a:spLocks noGrp="1"/>
+          </p:cNvSpPr>
+          <p:nvPr>
+            <p:ph type="title"/>
+          </p:nvPr>
+        </p:nvSpPr>
+        <p:spPr>
+          <a:xfrm>
+            <a:off x="1091255" y="237834"/>
+            <a:ext cx="8168208" cy="790865"/>
+          </a:xfrm>
+        </p:spPr>
+        <p:txBody>
+          <a:bodyPr/>
+          <a:lstStyle/>
+          <a:p>
+            <a:r>
+              <a:rPr lang="en-US" altLang="zh-CN" sz="3200" dirty="0">
+                <a:sym typeface="+mn-lt"/>
+              </a:rPr>
+              <a:t>3</a:t>
+            </a:r>
+            <a:r>
+              <a:rPr lang="zh-CN" altLang="en-US" sz="3200" dirty="0">
+                <a:sym typeface="+mn-lt"/>
+              </a:rPr>
+              <a:t>、研究内容 </a:t>
+            </a:r>
+            <a:r>
+              <a:rPr lang="zh-CN" altLang="en-US" sz="2000" dirty="0">
+                <a:sym typeface="+mn-lt"/>
+              </a:rPr>
+              <a:t>架构设计</a:t>
+            </a:r>
+            <a:endParaRPr lang="zh-CN" altLang="en-US" sz="2000" dirty="0">
+              <a:sym typeface="+mn-lt"/>
+            </a:endParaRPr>
+          </a:p>
+        </p:txBody>
+      </p:sp>
+      <p:sp>
+        <p:nvSpPr>
+          <p:cNvPr id="5" name="灯片编号占位符 4"/>
+          <p:cNvSpPr>
+            <a:spLocks noGrp="1"/>
+          </p:cNvSpPr>
+          <p:nvPr>
+            <p:ph type="sldNum" sz="quarter" idx="12"/>
+          </p:nvPr>
+        </p:nvSpPr>
+        <p:spPr/>
+        <p:txBody>
+          <a:bodyPr/>
+          <a:lstStyle/>
+          <a:p>
+            <a:fld id="{2515AB8F-1C56-49E9-90C8-78D22B0C1B97}" type="slidenum">
+              <a:rPr lang="zh-CN" altLang="en-US" smtClean="0">
+                <a:sym typeface="+mn-lt"/>
+              </a:rPr>
+            </a:fld>
+            <a:endParaRPr lang="zh-CN" altLang="en-US">
+              <a:sym typeface="+mn-lt"/>
+            </a:endParaRPr>
+          </a:p>
+        </p:txBody>
+      </p:sp>
+      <p:sp>
+        <p:nvSpPr>
+          <p:cNvPr id="4" name="文本框 3"/>
+          <p:cNvSpPr txBox="1"/>
+          <p:nvPr/>
+        </p:nvSpPr>
+        <p:spPr>
+          <a:xfrm>
+            <a:off x="1091565" y="1155065"/>
+            <a:ext cx="9855835" cy="337185"/>
+          </a:xfrm>
+          <a:prstGeom prst="rect">
+            <a:avLst/>
+          </a:prstGeom>
+          <a:noFill/>
+        </p:spPr>
+        <p:txBody>
+          <a:bodyPr wrap="square" rtlCol="0">
+            <a:spAutoFit/>
+          </a:bodyPr>
+          <a:p>
+            <a:r>
+              <a:rPr lang="en-US" sz="1600"/>
+              <a:t>    根据研究目标和研究内容，设计</a:t>
+            </a:r>
+            <a:r>
+              <a:rPr lang="zh-CN" altLang="en-US" sz="1600"/>
+              <a:t>整体</a:t>
+            </a:r>
+            <a:r>
+              <a:rPr lang="en-US" sz="1600"/>
+              <a:t>系统</a:t>
+            </a:r>
+            <a:r>
+              <a:rPr lang="zh-CN" altLang="en-US" sz="1600"/>
+              <a:t>架构</a:t>
+            </a:r>
+            <a:endParaRPr lang="zh-CN" altLang="en-US" sz="1600"/>
+          </a:p>
+        </p:txBody>
+      </p:sp>
+      <p:pic>
+        <p:nvPicPr>
+          <p:cNvPr id="6" name="图片 5"/>
+          <p:cNvPicPr>
+            <a:picLocks noChangeAspect="1"/>
+          </p:cNvPicPr>
+          <p:nvPr/>
+        </p:nvPicPr>
+        <p:blipFill>
+          <a:blip r:embed="rId1"/>
+          <a:stretch>
+            <a:fillRect/>
+          </a:stretch>
+        </p:blipFill>
+        <p:spPr>
+          <a:xfrm>
+            <a:off x="2601595" y="1941830"/>
+            <a:ext cx="6657975" cy="3502025"/>
+          </a:xfrm>
+          <a:prstGeom prst="rect">
+            <a:avLst/>
+          </a:prstGeom>
+        </p:spPr>
+      </p:pic>
+    </p:spTree>
+  </p:cSld>
+  <p:clrMapOvr>
+    <a:masterClrMapping/>
+  </p:clrMapOvr>
+</p:sld>
+</file>
+
 <file path=ppt/slides/slide15.xml><?xml version="1.0" encoding="utf-8"?>
 <p:sld xmlns:a="http://schemas.openxmlformats.org/drawingml/2006/main" xmlns:r="http://schemas.openxmlformats.org/officeDocument/2006/relationships" xmlns:p="http://schemas.openxmlformats.org/presentationml/2006/main">
   <p:cSld>
@@ -13345,7 +13223,7 @@
         </p:blipFill>
         <p:spPr>
           <a:xfrm>
-            <a:off x="1091565" y="2755265"/>
+            <a:off x="1025525" y="2762885"/>
             <a:ext cx="10140950" cy="1082040"/>
           </a:xfrm>
           <a:prstGeom prst="rect">
@@ -13697,7 +13575,7 @@
               <a:rPr sz="1600">
                 <a:sym typeface="+mn-ea"/>
               </a:rPr>
-              <a:t>迁移WASM编码到一些CPU计算密集型任务处理的代码库的可行性和可操作性</a:t>
+              <a:t>迁移WASM编码到CPU计算密集型任务处理的代码库的可行性和可操作性</a:t>
             </a:r>
             <a:r>
               <a:rPr lang="zh-CN" sz="1600">
@@ -13926,7 +13804,7 @@
         </p:nvSpPr>
         <p:spPr bwMode="auto">
           <a:xfrm>
-            <a:off x="1699260" y="1518285"/>
+            <a:off x="1699260" y="2040255"/>
             <a:ext cx="8366125" cy="727710"/>
           </a:xfrm>
           <a:prstGeom prst="rect">
@@ -13958,7 +13836,7 @@
         </p:spPr>
         <p:txBody>
           <a:bodyPr wrap="square" lIns="0" tIns="45720" rIns="0" bIns="45720" anchor="ctr" anchorCtr="0">
-            <a:normAutofit/>
+            <a:normAutofit fontScale="90000"/>
           </a:bodyPr>
           <a:lstStyle>
             <a:defPPr>
@@ -14062,7 +13940,14 @@
               </a:rPr>
               <a:t>搜集音视频文献资料，搭建编译环境并初步编译</a:t>
             </a:r>
-            <a:endParaRPr lang="zh-CN" altLang="en-US" sz="2000" dirty="0">
+            <a:r>
+              <a:rPr lang="en-US" altLang="zh-CN" sz="2000" dirty="0">
+                <a:cs typeface="+mn-ea"/>
+                <a:sym typeface="+mn-lt"/>
+              </a:rPr>
+              <a:t>FFmpeg</a:t>
+            </a:r>
+            <a:endParaRPr lang="en-US" altLang="zh-CN" sz="2000" dirty="0">
               <a:cs typeface="+mn-ea"/>
               <a:sym typeface="+mn-lt"/>
             </a:endParaRPr>
@@ -14079,7 +13964,7 @@
         </p:nvSpPr>
         <p:spPr>
           <a:xfrm>
-            <a:off x="970640" y="4468890"/>
+            <a:off x="970640" y="4990860"/>
             <a:ext cx="540000" cy="540000"/>
           </a:xfrm>
           <a:prstGeom prst="rect">
@@ -14130,7 +14015,7 @@
         </p:nvSpPr>
         <p:spPr>
           <a:xfrm>
-            <a:off x="1061603" y="4576890"/>
+            <a:off x="1061603" y="5098860"/>
             <a:ext cx="358075" cy="324000"/>
           </a:xfrm>
           <a:custGeom>
@@ -14461,7 +14346,7 @@
         </p:style>
         <p:txBody>
           <a:bodyPr spcFirstLastPara="0" vert="horz" wrap="square" lIns="91440" tIns="45720" rIns="91440" bIns="45720" numCol="1" spcCol="1270" anchor="ctr" anchorCtr="0">
-            <a:normAutofit fontScale="55000" lnSpcReduction="20000"/>
+            <a:normAutofit fontScale="45000" lnSpcReduction="20000"/>
           </a:bodyPr>
           <a:lstStyle>
             <a:defPPr>
@@ -14560,7 +14445,7 @@
         </p:nvSpPr>
         <p:spPr>
           <a:xfrm>
-            <a:off x="970640" y="3044571"/>
+            <a:off x="970640" y="3566541"/>
             <a:ext cx="540000" cy="540000"/>
           </a:xfrm>
           <a:prstGeom prst="rect">
@@ -14611,7 +14496,7 @@
         </p:nvSpPr>
         <p:spPr>
           <a:xfrm>
-            <a:off x="1075997" y="3152571"/>
+            <a:off x="1075997" y="3674541"/>
             <a:ext cx="329287" cy="324000"/>
           </a:xfrm>
           <a:custGeom>
@@ -15267,7 +15152,7 @@
         </p:style>
         <p:txBody>
           <a:bodyPr spcFirstLastPara="0" vert="horz" wrap="square" lIns="91440" tIns="45720" rIns="91440" bIns="45720" numCol="1" spcCol="1270" anchor="ctr" anchorCtr="0">
-            <a:normAutofit fontScale="55000" lnSpcReduction="20000"/>
+            <a:normAutofit fontScale="45000" lnSpcReduction="20000"/>
           </a:bodyPr>
           <a:lstStyle>
             <a:defPPr>
@@ -15366,7 +15251,7 @@
         </p:nvSpPr>
         <p:spPr>
           <a:xfrm>
-            <a:off x="970640" y="2334005"/>
+            <a:off x="970640" y="2855975"/>
             <a:ext cx="540000" cy="540000"/>
           </a:xfrm>
           <a:prstGeom prst="rect">
@@ -15417,7 +15302,7 @@
         </p:nvSpPr>
         <p:spPr>
           <a:xfrm>
-            <a:off x="1103101" y="2442005"/>
+            <a:off x="1103101" y="2963975"/>
             <a:ext cx="275078" cy="324000"/>
           </a:xfrm>
           <a:custGeom>
@@ -16069,7 +15954,7 @@
         </p:nvSpPr>
         <p:spPr bwMode="auto">
           <a:xfrm>
-            <a:off x="1699260" y="2216150"/>
+            <a:off x="1699260" y="2738120"/>
             <a:ext cx="7295515" cy="692150"/>
           </a:xfrm>
           <a:prstGeom prst="rect">
@@ -16178,34 +16063,34 @@
               </a:lnSpc>
             </a:pPr>
             <a:r>
-              <a:rPr lang="en-US" altLang="zh-CN" sz="2000" dirty="0">
+              <a:rPr lang="en-US" altLang="zh-CN" dirty="0">
                 <a:cs typeface="+mn-ea"/>
                 <a:sym typeface="+mn-lt"/>
               </a:rPr>
               <a:t>2022.5</a:t>
             </a:r>
             <a:r>
-              <a:rPr lang="zh-CN" altLang="en-US" sz="2000" dirty="0">
+              <a:rPr lang="zh-CN" altLang="en-US" dirty="0">
                 <a:cs typeface="+mn-ea"/>
                 <a:sym typeface="+mn-lt"/>
               </a:rPr>
               <a:t>～</a:t>
             </a:r>
             <a:r>
-              <a:rPr lang="en-US" altLang="zh-CN" sz="2000" dirty="0">
+              <a:rPr lang="en-US" altLang="zh-CN" dirty="0">
                 <a:cs typeface="+mn-ea"/>
                 <a:sym typeface="+mn-lt"/>
               </a:rPr>
               <a:t>2022.7 </a:t>
             </a:r>
             <a:r>
-              <a:rPr lang="zh-CN" altLang="en-US" sz="2000" dirty="0">
+              <a:rPr lang="zh-CN" altLang="en-US" dirty="0">
                 <a:cs typeface="+mn-ea"/>
                 <a:sym typeface="+mn-lt"/>
               </a:rPr>
               <a:t>设计与实现FFmpeg的WASM编码</a:t>
             </a:r>
-            <a:endParaRPr lang="zh-CN" altLang="en-US" sz="2000" dirty="0">
+            <a:endParaRPr lang="zh-CN" altLang="en-US" dirty="0">
               <a:cs typeface="+mn-ea"/>
               <a:sym typeface="+mn-lt"/>
             </a:endParaRPr>
@@ -16220,7 +16105,7 @@
         </p:nvSpPr>
         <p:spPr bwMode="auto">
           <a:xfrm>
-            <a:off x="1699260" y="2913380"/>
+            <a:off x="1699260" y="3435350"/>
             <a:ext cx="8825230" cy="727710"/>
           </a:xfrm>
           <a:prstGeom prst="rect">
@@ -16329,41 +16214,41 @@
               </a:lnSpc>
             </a:pPr>
             <a:r>
-              <a:rPr lang="en-US" altLang="zh-CN" sz="2000" dirty="0">
+              <a:rPr lang="en-US" altLang="zh-CN" dirty="0">
                 <a:cs typeface="+mn-ea"/>
                 <a:sym typeface="+mn-lt"/>
               </a:rPr>
               <a:t>2022.7</a:t>
             </a:r>
             <a:r>
-              <a:rPr lang="zh-CN" altLang="en-US" sz="2000" dirty="0">
+              <a:rPr lang="zh-CN" altLang="en-US" dirty="0">
                 <a:cs typeface="+mn-ea"/>
                 <a:sym typeface="+mn-lt"/>
               </a:rPr>
               <a:t>～</a:t>
             </a:r>
             <a:r>
-              <a:rPr lang="en-US" altLang="zh-CN" sz="2000" dirty="0">
+              <a:rPr lang="en-US" altLang="zh-CN" dirty="0">
                 <a:cs typeface="+mn-ea"/>
                 <a:sym typeface="+mn-lt"/>
               </a:rPr>
               <a:t>2022.9 </a:t>
             </a:r>
             <a:r>
-              <a:rPr lang="zh-CN" altLang="en-US" sz="2000" dirty="0">
+              <a:rPr lang="zh-CN" altLang="en-US" dirty="0">
                 <a:cs typeface="+mn-ea"/>
                 <a:sym typeface="+mn-lt"/>
               </a:rPr>
               <a:t>设计</a:t>
             </a:r>
             <a:r>
-              <a:rPr sz="2000" dirty="0">
+              <a:rPr dirty="0">
                 <a:cs typeface="+mn-ea"/>
                 <a:sym typeface="+mn-lt"/>
               </a:rPr>
               <a:t>与实现二次开发模块和加载方案</a:t>
             </a:r>
-            <a:endParaRPr sz="2000" dirty="0">
+            <a:endParaRPr dirty="0">
               <a:cs typeface="+mn-ea"/>
               <a:sym typeface="+mn-lt"/>
             </a:endParaRPr>
@@ -16378,7 +16263,7 @@
         </p:nvSpPr>
         <p:spPr bwMode="auto">
           <a:xfrm>
-            <a:off x="1699260" y="3646170"/>
+            <a:off x="1699260" y="4168140"/>
             <a:ext cx="7181215" cy="693420"/>
           </a:xfrm>
           <a:prstGeom prst="rect">
@@ -16487,48 +16372,48 @@
               </a:lnSpc>
             </a:pPr>
             <a:r>
-              <a:rPr lang="en-US" altLang="zh-CN" sz="2000" dirty="0">
+              <a:rPr lang="en-US" altLang="zh-CN" dirty="0">
                 <a:cs typeface="+mn-ea"/>
                 <a:sym typeface="+mn-lt"/>
               </a:rPr>
               <a:t>2022.10</a:t>
             </a:r>
             <a:r>
-              <a:rPr lang="zh-CN" altLang="en-US" sz="2000" dirty="0">
+              <a:rPr lang="zh-CN" altLang="en-US" dirty="0">
                 <a:cs typeface="+mn-ea"/>
                 <a:sym typeface="+mn-lt"/>
               </a:rPr>
               <a:t>～</a:t>
             </a:r>
             <a:r>
-              <a:rPr lang="en-US" altLang="zh-CN" sz="2000" dirty="0">
+              <a:rPr lang="en-US" altLang="zh-CN" dirty="0">
                 <a:cs typeface="+mn-ea"/>
                 <a:sym typeface="+mn-lt"/>
               </a:rPr>
               <a:t>2022.12 </a:t>
             </a:r>
             <a:r>
-              <a:rPr lang="zh-CN" altLang="en-US" sz="2000" dirty="0">
+              <a:rPr lang="zh-CN" altLang="en-US" dirty="0">
                 <a:cs typeface="+mn-ea"/>
                 <a:sym typeface="+mn-lt"/>
               </a:rPr>
               <a:t>基于已有模块设计与开发</a:t>
             </a:r>
             <a:r>
-              <a:rPr lang="en-US" altLang="zh-CN" sz="2000" dirty="0">
+              <a:rPr lang="en-US" altLang="zh-CN" dirty="0">
                 <a:cs typeface="+mn-ea"/>
                 <a:sym typeface="+mn-lt"/>
               </a:rPr>
               <a:t>Web</a:t>
             </a:r>
             <a:r>
-              <a:rPr lang="zh-CN" altLang="en-US" sz="2000" dirty="0">
+              <a:rPr lang="zh-CN" altLang="en-US" dirty="0">
                 <a:cs typeface="+mn-ea"/>
                 <a:sym typeface="+mn-lt"/>
               </a:rPr>
               <a:t>系统</a:t>
             </a:r>
-            <a:endParaRPr lang="zh-CN" altLang="en-US" sz="2000" dirty="0">
+            <a:endParaRPr lang="zh-CN" altLang="en-US" dirty="0">
               <a:cs typeface="+mn-ea"/>
               <a:sym typeface="+mn-lt"/>
             </a:endParaRPr>
@@ -16543,7 +16428,7 @@
         </p:nvSpPr>
         <p:spPr bwMode="auto">
           <a:xfrm>
-            <a:off x="1699260" y="4344670"/>
+            <a:off x="1699260" y="4866640"/>
             <a:ext cx="7294880" cy="788670"/>
           </a:xfrm>
           <a:prstGeom prst="rect">
@@ -16652,34 +16537,34 @@
               </a:lnSpc>
             </a:pPr>
             <a:r>
-              <a:rPr lang="en-US" altLang="zh-CN" sz="2000" dirty="0">
+              <a:rPr lang="en-US" altLang="zh-CN" dirty="0">
                 <a:cs typeface="+mn-ea"/>
                 <a:sym typeface="+mn-lt"/>
               </a:rPr>
               <a:t>2023.1</a:t>
             </a:r>
             <a:r>
-              <a:rPr lang="zh-CN" altLang="en-US" sz="2000" dirty="0">
+              <a:rPr lang="zh-CN" altLang="en-US" dirty="0">
                 <a:cs typeface="+mn-ea"/>
                 <a:sym typeface="+mn-lt"/>
               </a:rPr>
               <a:t>～</a:t>
             </a:r>
             <a:r>
-              <a:rPr lang="en-US" altLang="zh-CN" sz="2000" dirty="0">
+              <a:rPr lang="en-US" altLang="zh-CN" dirty="0">
                 <a:cs typeface="+mn-ea"/>
                 <a:sym typeface="+mn-lt"/>
               </a:rPr>
               <a:t>2022.3</a:t>
             </a:r>
             <a:r>
-              <a:rPr lang="zh-CN" altLang="en-US" sz="2000" dirty="0">
+              <a:rPr lang="zh-CN" altLang="en-US" dirty="0">
                 <a:cs typeface="+mn-ea"/>
                 <a:sym typeface="+mn-lt"/>
               </a:rPr>
               <a:t> 整理撰写学位论文与完成系统开发</a:t>
             </a:r>
-            <a:endParaRPr lang="zh-CN" altLang="en-US" sz="2000" dirty="0">
+            <a:endParaRPr lang="zh-CN" altLang="en-US" dirty="0">
               <a:cs typeface="+mn-ea"/>
               <a:sym typeface="+mn-lt"/>
             </a:endParaRPr>
@@ -16696,7 +16581,7 @@
         </p:nvSpPr>
         <p:spPr>
           <a:xfrm>
-            <a:off x="970640" y="1594765"/>
+            <a:off x="970640" y="2116735"/>
             <a:ext cx="540000" cy="540000"/>
           </a:xfrm>
           <a:prstGeom prst="rect">
@@ -16747,7 +16632,7 @@
         </p:nvSpPr>
         <p:spPr bwMode="auto">
           <a:xfrm>
-            <a:off x="1084750" y="1702765"/>
+            <a:off x="1084750" y="2224735"/>
             <a:ext cx="311781" cy="324000"/>
           </a:xfrm>
           <a:custGeom>
@@ -17355,7 +17240,7 @@
         </p:nvSpPr>
         <p:spPr>
           <a:xfrm>
-            <a:off x="970640" y="3755137"/>
+            <a:off x="970640" y="4277107"/>
             <a:ext cx="540000" cy="540000"/>
           </a:xfrm>
           <a:prstGeom prst="rect">
@@ -17406,7 +17291,7 @@
         </p:nvSpPr>
         <p:spPr bwMode="auto">
           <a:xfrm>
-            <a:off x="1078588" y="3863137"/>
+            <a:off x="1078588" y="4385107"/>
             <a:ext cx="324104" cy="324000"/>
           </a:xfrm>
           <a:custGeom>
@@ -18703,8 +18588,1564 @@
         </p:nvSpPr>
         <p:spPr>
           <a:xfrm>
-            <a:off x="9537065" y="1703070"/>
-            <a:ext cx="1953260" cy="368300"/>
+            <a:off x="10253980" y="2225040"/>
+            <a:ext cx="1341755" cy="368300"/>
+          </a:xfrm>
+          <a:prstGeom prst="rect">
+            <a:avLst/>
+          </a:prstGeom>
+          <a:noFill/>
+        </p:spPr>
+        <p:txBody>
+          <a:bodyPr wrap="square" rtlCol="0">
+            <a:spAutoFit/>
+          </a:bodyPr>
+          <a:p>
+            <a:r>
+              <a:rPr lang="zh-CN" altLang="en-US"/>
+              <a:t>【完成】</a:t>
+            </a:r>
+            <a:endParaRPr lang="zh-CN" altLang="en-US"/>
+          </a:p>
+        </p:txBody>
+      </p:sp>
+      <p:sp>
+        <p:nvSpPr>
+          <p:cNvPr id="5" name="矩形 4"/>
+          <p:cNvSpPr>
+            <a:spLocks noChangeAspect="1"/>
+          </p:cNvSpPr>
+          <p:nvPr/>
+        </p:nvSpPr>
+        <p:spPr>
+          <a:xfrm>
+            <a:off x="970640" y="1377697"/>
+            <a:ext cx="540000" cy="540000"/>
+          </a:xfrm>
+          <a:prstGeom prst="rect">
+            <a:avLst/>
+          </a:prstGeom>
+          <a:solidFill>
+            <a:srgbClr val="EAB908"/>
+          </a:solidFill>
+          <a:ln>
+            <a:noFill/>
+          </a:ln>
+        </p:spPr>
+        <p:style>
+          <a:lnRef idx="2">
+            <a:schemeClr val="accent1">
+              <a:shade val="50000"/>
+            </a:schemeClr>
+          </a:lnRef>
+          <a:fillRef idx="1">
+            <a:schemeClr val="accent1"/>
+          </a:fillRef>
+          <a:effectRef idx="0">
+            <a:schemeClr val="accent1"/>
+          </a:effectRef>
+          <a:fontRef idx="minor">
+            <a:schemeClr val="lt1"/>
+          </a:fontRef>
+        </p:style>
+        <p:txBody>
+          <a:bodyPr rtlCol="0" anchor="ctr"/>
+          <a:p>
+            <a:pPr algn="ctr"/>
+            <a:endParaRPr lang="zh-CN" altLang="en-US">
+              <a:cs typeface="+mn-ea"/>
+              <a:sym typeface="+mn-lt"/>
+            </a:endParaRPr>
+          </a:p>
+        </p:txBody>
+      </p:sp>
+      <p:sp>
+        <p:nvSpPr>
+          <p:cNvPr id="6" name="light-bulb_62830"/>
+          <p:cNvSpPr>
+            <a:spLocks noChangeAspect="1"/>
+          </p:cNvSpPr>
+          <p:nvPr/>
+        </p:nvSpPr>
+        <p:spPr bwMode="auto">
+          <a:xfrm>
+            <a:off x="1078588" y="1485697"/>
+            <a:ext cx="324104" cy="324000"/>
+          </a:xfrm>
+          <a:custGeom>
+            <a:avLst/>
+            <a:gdLst>
+              <a:gd name="connsiteX0" fmla="*/ 291327 w 608430"/>
+              <a:gd name="connsiteY0" fmla="*/ 232337 h 608239"/>
+              <a:gd name="connsiteX1" fmla="*/ 296219 w 608430"/>
+              <a:gd name="connsiteY1" fmla="*/ 235039 h 608239"/>
+              <a:gd name="connsiteX2" fmla="*/ 304232 w 608430"/>
+              <a:gd name="connsiteY2" fmla="*/ 238780 h 608239"/>
+              <a:gd name="connsiteX3" fmla="*/ 312246 w 608430"/>
+              <a:gd name="connsiteY3" fmla="*/ 235039 h 608239"/>
+              <a:gd name="connsiteX4" fmla="*/ 317241 w 608430"/>
+              <a:gd name="connsiteY4" fmla="*/ 232337 h 608239"/>
+              <a:gd name="connsiteX5" fmla="*/ 323173 w 608430"/>
+              <a:gd name="connsiteY5" fmla="*/ 235454 h 608239"/>
+              <a:gd name="connsiteX6" fmla="*/ 325359 w 608430"/>
+              <a:gd name="connsiteY6" fmla="*/ 242936 h 608239"/>
+              <a:gd name="connsiteX7" fmla="*/ 304232 w 608430"/>
+              <a:gd name="connsiteY7" fmla="*/ 363165 h 608239"/>
+              <a:gd name="connsiteX8" fmla="*/ 283106 w 608430"/>
+              <a:gd name="connsiteY8" fmla="*/ 243040 h 608239"/>
+              <a:gd name="connsiteX9" fmla="*/ 285499 w 608430"/>
+              <a:gd name="connsiteY9" fmla="*/ 235454 h 608239"/>
+              <a:gd name="connsiteX10" fmla="*/ 291327 w 608430"/>
+              <a:gd name="connsiteY10" fmla="*/ 232337 h 608239"/>
+              <a:gd name="connsiteX11" fmla="*/ 304233 w 608430"/>
+              <a:gd name="connsiteY11" fmla="*/ 124019 h 608239"/>
+              <a:gd name="connsiteX12" fmla="*/ 408192 w 608430"/>
+              <a:gd name="connsiteY12" fmla="*/ 220890 h 608239"/>
+              <a:gd name="connsiteX13" fmla="*/ 375724 w 608430"/>
+              <a:gd name="connsiteY13" fmla="*/ 308406 h 608239"/>
+              <a:gd name="connsiteX14" fmla="*/ 338366 w 608430"/>
+              <a:gd name="connsiteY14" fmla="*/ 389063 h 608239"/>
+              <a:gd name="connsiteX15" fmla="*/ 320779 w 608430"/>
+              <a:gd name="connsiteY15" fmla="*/ 389063 h 608239"/>
+              <a:gd name="connsiteX16" fmla="*/ 345858 w 608430"/>
+              <a:gd name="connsiteY16" fmla="*/ 246459 h 608239"/>
+              <a:gd name="connsiteX17" fmla="*/ 345962 w 608430"/>
+              <a:gd name="connsiteY17" fmla="*/ 246147 h 608239"/>
+              <a:gd name="connsiteX18" fmla="*/ 338990 w 608430"/>
+              <a:gd name="connsiteY18" fmla="*/ 221825 h 608239"/>
+              <a:gd name="connsiteX19" fmla="*/ 317241 w 608430"/>
+              <a:gd name="connsiteY19" fmla="*/ 211535 h 608239"/>
+              <a:gd name="connsiteX20" fmla="*/ 304233 w 608430"/>
+              <a:gd name="connsiteY20" fmla="*/ 214965 h 608239"/>
+              <a:gd name="connsiteX21" fmla="*/ 291329 w 608430"/>
+              <a:gd name="connsiteY21" fmla="*/ 211535 h 608239"/>
+              <a:gd name="connsiteX22" fmla="*/ 269788 w 608430"/>
+              <a:gd name="connsiteY22" fmla="*/ 221929 h 608239"/>
+              <a:gd name="connsiteX23" fmla="*/ 262503 w 608430"/>
+              <a:gd name="connsiteY23" fmla="*/ 246147 h 608239"/>
+              <a:gd name="connsiteX24" fmla="*/ 262607 w 608430"/>
+              <a:gd name="connsiteY24" fmla="*/ 246459 h 608239"/>
+              <a:gd name="connsiteX25" fmla="*/ 287687 w 608430"/>
+              <a:gd name="connsiteY25" fmla="*/ 389063 h 608239"/>
+              <a:gd name="connsiteX26" fmla="*/ 270204 w 608430"/>
+              <a:gd name="connsiteY26" fmla="*/ 389063 h 608239"/>
+              <a:gd name="connsiteX27" fmla="*/ 232845 w 608430"/>
+              <a:gd name="connsiteY27" fmla="*/ 308303 h 608239"/>
+              <a:gd name="connsiteX28" fmla="*/ 200377 w 608430"/>
+              <a:gd name="connsiteY28" fmla="*/ 220890 h 608239"/>
+              <a:gd name="connsiteX29" fmla="*/ 304233 w 608430"/>
+              <a:gd name="connsiteY29" fmla="*/ 124019 h 608239"/>
+              <a:gd name="connsiteX30" fmla="*/ 304195 w 608430"/>
+              <a:gd name="connsiteY30" fmla="*/ 89961 h 608239"/>
+              <a:gd name="connsiteX31" fmla="*/ 166184 w 608430"/>
+              <a:gd name="connsiteY31" fmla="*/ 220907 h 608239"/>
+              <a:gd name="connsiteX32" fmla="*/ 204590 w 608430"/>
+              <a:gd name="connsiteY32" fmla="*/ 327535 h 608239"/>
+              <a:gd name="connsiteX33" fmla="*/ 237688 w 608430"/>
+              <a:gd name="connsiteY33" fmla="*/ 406623 h 608239"/>
+              <a:gd name="connsiteX34" fmla="*/ 251114 w 608430"/>
+              <a:gd name="connsiteY34" fmla="*/ 422731 h 608239"/>
+              <a:gd name="connsiteX35" fmla="*/ 239041 w 608430"/>
+              <a:gd name="connsiteY35" fmla="*/ 438944 h 608239"/>
+              <a:gd name="connsiteX36" fmla="*/ 248720 w 608430"/>
+              <a:gd name="connsiteY36" fmla="*/ 454325 h 608239"/>
+              <a:gd name="connsiteX37" fmla="*/ 239041 w 608430"/>
+              <a:gd name="connsiteY37" fmla="*/ 469602 h 608239"/>
+              <a:gd name="connsiteX38" fmla="*/ 256110 w 608430"/>
+              <a:gd name="connsiteY38" fmla="*/ 486646 h 608239"/>
+              <a:gd name="connsiteX39" fmla="*/ 266518 w 608430"/>
+              <a:gd name="connsiteY39" fmla="*/ 486646 h 608239"/>
+              <a:gd name="connsiteX40" fmla="*/ 304195 w 608430"/>
+              <a:gd name="connsiteY40" fmla="*/ 518135 h 608239"/>
+              <a:gd name="connsiteX41" fmla="*/ 341977 w 608430"/>
+              <a:gd name="connsiteY41" fmla="*/ 486646 h 608239"/>
+              <a:gd name="connsiteX42" fmla="*/ 352385 w 608430"/>
+              <a:gd name="connsiteY42" fmla="*/ 486646 h 608239"/>
+              <a:gd name="connsiteX43" fmla="*/ 369454 w 608430"/>
+              <a:gd name="connsiteY43" fmla="*/ 469602 h 608239"/>
+              <a:gd name="connsiteX44" fmla="*/ 359774 w 608430"/>
+              <a:gd name="connsiteY44" fmla="*/ 454325 h 608239"/>
+              <a:gd name="connsiteX45" fmla="*/ 369454 w 608430"/>
+              <a:gd name="connsiteY45" fmla="*/ 438944 h 608239"/>
+              <a:gd name="connsiteX46" fmla="*/ 357485 w 608430"/>
+              <a:gd name="connsiteY46" fmla="*/ 422731 h 608239"/>
+              <a:gd name="connsiteX47" fmla="*/ 370911 w 608430"/>
+              <a:gd name="connsiteY47" fmla="*/ 406623 h 608239"/>
+              <a:gd name="connsiteX48" fmla="*/ 403905 w 608430"/>
+              <a:gd name="connsiteY48" fmla="*/ 327535 h 608239"/>
+              <a:gd name="connsiteX49" fmla="*/ 442206 w 608430"/>
+              <a:gd name="connsiteY49" fmla="*/ 220907 h 608239"/>
+              <a:gd name="connsiteX50" fmla="*/ 304195 w 608430"/>
+              <a:gd name="connsiteY50" fmla="*/ 89961 h 608239"/>
+              <a:gd name="connsiteX51" fmla="*/ 341872 w 608430"/>
+              <a:gd name="connsiteY51" fmla="*/ 65 h 608239"/>
+              <a:gd name="connsiteX52" fmla="*/ 347077 w 608430"/>
+              <a:gd name="connsiteY52" fmla="*/ 3598 h 608239"/>
+              <a:gd name="connsiteX53" fmla="*/ 401719 w 608430"/>
+              <a:gd name="connsiteY53" fmla="*/ 46416 h 608239"/>
+              <a:gd name="connsiteX54" fmla="*/ 443351 w 608430"/>
+              <a:gd name="connsiteY54" fmla="*/ 34776 h 608239"/>
+              <a:gd name="connsiteX55" fmla="*/ 449700 w 608430"/>
+              <a:gd name="connsiteY55" fmla="*/ 34984 h 608239"/>
+              <a:gd name="connsiteX56" fmla="*/ 453239 w 608430"/>
+              <a:gd name="connsiteY56" fmla="*/ 40284 h 608239"/>
+              <a:gd name="connsiteX57" fmla="*/ 515479 w 608430"/>
+              <a:gd name="connsiteY57" fmla="*/ 103471 h 608239"/>
+              <a:gd name="connsiteX58" fmla="*/ 529946 w 608430"/>
+              <a:gd name="connsiteY58" fmla="*/ 102744 h 608239"/>
+              <a:gd name="connsiteX59" fmla="*/ 535879 w 608430"/>
+              <a:gd name="connsiteY59" fmla="*/ 105134 h 608239"/>
+              <a:gd name="connsiteX60" fmla="*/ 537336 w 608430"/>
+              <a:gd name="connsiteY60" fmla="*/ 111369 h 608239"/>
+              <a:gd name="connsiteX61" fmla="*/ 539314 w 608430"/>
+              <a:gd name="connsiteY61" fmla="*/ 167905 h 608239"/>
+              <a:gd name="connsiteX62" fmla="*/ 587191 w 608430"/>
+              <a:gd name="connsiteY62" fmla="*/ 198251 h 608239"/>
+              <a:gd name="connsiteX63" fmla="*/ 591770 w 608430"/>
+              <a:gd name="connsiteY63" fmla="*/ 202616 h 608239"/>
+              <a:gd name="connsiteX64" fmla="*/ 590938 w 608430"/>
+              <a:gd name="connsiteY64" fmla="*/ 208852 h 608239"/>
+              <a:gd name="connsiteX65" fmla="*/ 605821 w 608430"/>
+              <a:gd name="connsiteY65" fmla="*/ 310076 h 608239"/>
+              <a:gd name="connsiteX66" fmla="*/ 608423 w 608430"/>
+              <a:gd name="connsiteY66" fmla="*/ 315896 h 608239"/>
+              <a:gd name="connsiteX67" fmla="*/ 605301 w 608430"/>
+              <a:gd name="connsiteY67" fmla="*/ 321300 h 608239"/>
+              <a:gd name="connsiteX68" fmla="*/ 582403 w 608430"/>
+              <a:gd name="connsiteY68" fmla="*/ 420029 h 608239"/>
+              <a:gd name="connsiteX69" fmla="*/ 582715 w 608430"/>
+              <a:gd name="connsiteY69" fmla="*/ 426369 h 608239"/>
+              <a:gd name="connsiteX70" fmla="*/ 577719 w 608430"/>
+              <a:gd name="connsiteY70" fmla="*/ 430318 h 608239"/>
+              <a:gd name="connsiteX71" fmla="*/ 527865 w 608430"/>
+              <a:gd name="connsiteY71" fmla="*/ 456507 h 608239"/>
+              <a:gd name="connsiteX72" fmla="*/ 521412 w 608430"/>
+              <a:gd name="connsiteY72" fmla="*/ 511796 h 608239"/>
+              <a:gd name="connsiteX73" fmla="*/ 521620 w 608430"/>
+              <a:gd name="connsiteY73" fmla="*/ 513666 h 608239"/>
+              <a:gd name="connsiteX74" fmla="*/ 514751 w 608430"/>
+              <a:gd name="connsiteY74" fmla="*/ 520526 h 608239"/>
+              <a:gd name="connsiteX75" fmla="*/ 513502 w 608430"/>
+              <a:gd name="connsiteY75" fmla="*/ 520422 h 608239"/>
+              <a:gd name="connsiteX76" fmla="*/ 490396 w 608430"/>
+              <a:gd name="connsiteY76" fmla="*/ 518239 h 608239"/>
+              <a:gd name="connsiteX77" fmla="*/ 432110 w 608430"/>
+              <a:gd name="connsiteY77" fmla="*/ 576749 h 608239"/>
+              <a:gd name="connsiteX78" fmla="*/ 428155 w 608430"/>
+              <a:gd name="connsiteY78" fmla="*/ 581738 h 608239"/>
+              <a:gd name="connsiteX79" fmla="*/ 421806 w 608430"/>
+              <a:gd name="connsiteY79" fmla="*/ 581426 h 608239"/>
+              <a:gd name="connsiteX80" fmla="*/ 377052 w 608430"/>
+              <a:gd name="connsiteY80" fmla="*/ 566461 h 608239"/>
+              <a:gd name="connsiteX81" fmla="*/ 323242 w 608430"/>
+              <a:gd name="connsiteY81" fmla="*/ 605017 h 608239"/>
+              <a:gd name="connsiteX82" fmla="*/ 321889 w 608430"/>
+              <a:gd name="connsiteY82" fmla="*/ 606576 h 608239"/>
+              <a:gd name="connsiteX83" fmla="*/ 320120 w 608430"/>
+              <a:gd name="connsiteY83" fmla="*/ 607615 h 608239"/>
+              <a:gd name="connsiteX84" fmla="*/ 320016 w 608430"/>
+              <a:gd name="connsiteY84" fmla="*/ 607719 h 608239"/>
+              <a:gd name="connsiteX85" fmla="*/ 319703 w 608430"/>
+              <a:gd name="connsiteY85" fmla="*/ 607823 h 608239"/>
+              <a:gd name="connsiteX86" fmla="*/ 317830 w 608430"/>
+              <a:gd name="connsiteY86" fmla="*/ 608135 h 608239"/>
+              <a:gd name="connsiteX87" fmla="*/ 317414 w 608430"/>
+              <a:gd name="connsiteY87" fmla="*/ 608239 h 608239"/>
+              <a:gd name="connsiteX88" fmla="*/ 315852 w 608430"/>
+              <a:gd name="connsiteY88" fmla="*/ 608031 h 608239"/>
+              <a:gd name="connsiteX89" fmla="*/ 315124 w 608430"/>
+              <a:gd name="connsiteY89" fmla="*/ 607823 h 608239"/>
+              <a:gd name="connsiteX90" fmla="*/ 313771 w 608430"/>
+              <a:gd name="connsiteY90" fmla="*/ 607096 h 608239"/>
+              <a:gd name="connsiteX91" fmla="*/ 313667 w 608430"/>
+              <a:gd name="connsiteY91" fmla="*/ 607096 h 608239"/>
+              <a:gd name="connsiteX92" fmla="*/ 311897 w 608430"/>
+              <a:gd name="connsiteY92" fmla="*/ 605537 h 608239"/>
+              <a:gd name="connsiteX93" fmla="*/ 261210 w 608430"/>
+              <a:gd name="connsiteY93" fmla="*/ 572488 h 608239"/>
+              <a:gd name="connsiteX94" fmla="*/ 214374 w 608430"/>
+              <a:gd name="connsiteY94" fmla="*/ 592546 h 608239"/>
+              <a:gd name="connsiteX95" fmla="*/ 208025 w 608430"/>
+              <a:gd name="connsiteY95" fmla="*/ 593585 h 608239"/>
+              <a:gd name="connsiteX96" fmla="*/ 203549 w 608430"/>
+              <a:gd name="connsiteY96" fmla="*/ 589117 h 608239"/>
+              <a:gd name="connsiteX97" fmla="*/ 146825 w 608430"/>
+              <a:gd name="connsiteY97" fmla="*/ 536114 h 608239"/>
+              <a:gd name="connsiteX98" fmla="*/ 115497 w 608430"/>
+              <a:gd name="connsiteY98" fmla="*/ 540999 h 608239"/>
+              <a:gd name="connsiteX99" fmla="*/ 109252 w 608430"/>
+              <a:gd name="connsiteY99" fmla="*/ 539752 h 608239"/>
+              <a:gd name="connsiteX100" fmla="*/ 106754 w 608430"/>
+              <a:gd name="connsiteY100" fmla="*/ 533828 h 608239"/>
+              <a:gd name="connsiteX101" fmla="*/ 94889 w 608430"/>
+              <a:gd name="connsiteY101" fmla="*/ 479163 h 608239"/>
+              <a:gd name="connsiteX102" fmla="*/ 42745 w 608430"/>
+              <a:gd name="connsiteY102" fmla="*/ 458586 h 608239"/>
+              <a:gd name="connsiteX103" fmla="*/ 37332 w 608430"/>
+              <a:gd name="connsiteY103" fmla="*/ 455260 h 608239"/>
+              <a:gd name="connsiteX104" fmla="*/ 37020 w 608430"/>
+              <a:gd name="connsiteY104" fmla="*/ 448817 h 608239"/>
+              <a:gd name="connsiteX105" fmla="*/ 45243 w 608430"/>
+              <a:gd name="connsiteY105" fmla="*/ 392489 h 608239"/>
+              <a:gd name="connsiteX106" fmla="*/ 3818 w 608430"/>
+              <a:gd name="connsiteY106" fmla="*/ 353309 h 608239"/>
+              <a:gd name="connsiteX107" fmla="*/ 71 w 608430"/>
+              <a:gd name="connsiteY107" fmla="*/ 348113 h 608239"/>
+              <a:gd name="connsiteX108" fmla="*/ 2153 w 608430"/>
+              <a:gd name="connsiteY108" fmla="*/ 342189 h 608239"/>
+              <a:gd name="connsiteX109" fmla="*/ 30359 w 608430"/>
+              <a:gd name="connsiteY109" fmla="*/ 292304 h 608239"/>
+              <a:gd name="connsiteX110" fmla="*/ 6108 w 608430"/>
+              <a:gd name="connsiteY110" fmla="*/ 240341 h 608239"/>
+              <a:gd name="connsiteX111" fmla="*/ 4547 w 608430"/>
+              <a:gd name="connsiteY111" fmla="*/ 234210 h 608239"/>
+              <a:gd name="connsiteX112" fmla="*/ 8710 w 608430"/>
+              <a:gd name="connsiteY112" fmla="*/ 229325 h 608239"/>
+              <a:gd name="connsiteX113" fmla="*/ 52944 w 608430"/>
+              <a:gd name="connsiteY113" fmla="*/ 193887 h 608239"/>
+              <a:gd name="connsiteX114" fmla="*/ 48989 w 608430"/>
+              <a:gd name="connsiteY114" fmla="*/ 137351 h 608239"/>
+              <a:gd name="connsiteX115" fmla="*/ 49822 w 608430"/>
+              <a:gd name="connsiteY115" fmla="*/ 131011 h 608239"/>
+              <a:gd name="connsiteX116" fmla="*/ 55442 w 608430"/>
+              <a:gd name="connsiteY116" fmla="*/ 127998 h 608239"/>
+              <a:gd name="connsiteX117" fmla="*/ 124656 w 608430"/>
+              <a:gd name="connsiteY117" fmla="*/ 58159 h 608239"/>
+              <a:gd name="connsiteX118" fmla="*/ 127674 w 608430"/>
+              <a:gd name="connsiteY118" fmla="*/ 52443 h 608239"/>
+              <a:gd name="connsiteX119" fmla="*/ 133919 w 608430"/>
+              <a:gd name="connsiteY119" fmla="*/ 51612 h 608239"/>
+              <a:gd name="connsiteX120" fmla="*/ 170139 w 608430"/>
+              <a:gd name="connsiteY120" fmla="*/ 58991 h 608239"/>
+              <a:gd name="connsiteX121" fmla="*/ 225614 w 608430"/>
+              <a:gd name="connsiteY121" fmla="*/ 10250 h 608239"/>
+              <a:gd name="connsiteX122" fmla="*/ 230402 w 608430"/>
+              <a:gd name="connsiteY122" fmla="*/ 6092 h 608239"/>
+              <a:gd name="connsiteX123" fmla="*/ 236543 w 608430"/>
+              <a:gd name="connsiteY123" fmla="*/ 7651 h 608239"/>
+              <a:gd name="connsiteX124" fmla="*/ 285357 w 608430"/>
+              <a:gd name="connsiteY124" fmla="*/ 31346 h 608239"/>
+              <a:gd name="connsiteX125" fmla="*/ 335836 w 608430"/>
+              <a:gd name="connsiteY125" fmla="*/ 2247 h 608239"/>
+              <a:gd name="connsiteX126" fmla="*/ 341872 w 608430"/>
+              <a:gd name="connsiteY126" fmla="*/ 65 h 608239"/>
+            </a:gdLst>
+            <a:ahLst/>
+            <a:cxnLst>
+              <a:cxn ang="0">
+                <a:pos x="connsiteX0" y="connsiteY0"/>
+              </a:cxn>
+              <a:cxn ang="0">
+                <a:pos x="connsiteX1" y="connsiteY1"/>
+              </a:cxn>
+              <a:cxn ang="0">
+                <a:pos x="connsiteX2" y="connsiteY2"/>
+              </a:cxn>
+              <a:cxn ang="0">
+                <a:pos x="connsiteX3" y="connsiteY3"/>
+              </a:cxn>
+              <a:cxn ang="0">
+                <a:pos x="connsiteX4" y="connsiteY4"/>
+              </a:cxn>
+              <a:cxn ang="0">
+                <a:pos x="connsiteX5" y="connsiteY5"/>
+              </a:cxn>
+              <a:cxn ang="0">
+                <a:pos x="connsiteX6" y="connsiteY6"/>
+              </a:cxn>
+              <a:cxn ang="0">
+                <a:pos x="connsiteX7" y="connsiteY7"/>
+              </a:cxn>
+              <a:cxn ang="0">
+                <a:pos x="connsiteX8" y="connsiteY8"/>
+              </a:cxn>
+              <a:cxn ang="0">
+                <a:pos x="connsiteX9" y="connsiteY9"/>
+              </a:cxn>
+              <a:cxn ang="0">
+                <a:pos x="connsiteX10" y="connsiteY10"/>
+              </a:cxn>
+              <a:cxn ang="0">
+                <a:pos x="connsiteX11" y="connsiteY11"/>
+              </a:cxn>
+              <a:cxn ang="0">
+                <a:pos x="connsiteX12" y="connsiteY12"/>
+              </a:cxn>
+              <a:cxn ang="0">
+                <a:pos x="connsiteX13" y="connsiteY13"/>
+              </a:cxn>
+              <a:cxn ang="0">
+                <a:pos x="connsiteX14" y="connsiteY14"/>
+              </a:cxn>
+              <a:cxn ang="0">
+                <a:pos x="connsiteX15" y="connsiteY15"/>
+              </a:cxn>
+              <a:cxn ang="0">
+                <a:pos x="connsiteX16" y="connsiteY16"/>
+              </a:cxn>
+              <a:cxn ang="0">
+                <a:pos x="connsiteX17" y="connsiteY17"/>
+              </a:cxn>
+              <a:cxn ang="0">
+                <a:pos x="connsiteX18" y="connsiteY18"/>
+              </a:cxn>
+              <a:cxn ang="0">
+                <a:pos x="connsiteX19" y="connsiteY19"/>
+              </a:cxn>
+              <a:cxn ang="0">
+                <a:pos x="connsiteX20" y="connsiteY20"/>
+              </a:cxn>
+              <a:cxn ang="0">
+                <a:pos x="connsiteX21" y="connsiteY21"/>
+              </a:cxn>
+              <a:cxn ang="0">
+                <a:pos x="connsiteX22" y="connsiteY22"/>
+              </a:cxn>
+              <a:cxn ang="0">
+                <a:pos x="connsiteX23" y="connsiteY23"/>
+              </a:cxn>
+              <a:cxn ang="0">
+                <a:pos x="connsiteX24" y="connsiteY24"/>
+              </a:cxn>
+              <a:cxn ang="0">
+                <a:pos x="connsiteX25" y="connsiteY25"/>
+              </a:cxn>
+              <a:cxn ang="0">
+                <a:pos x="connsiteX26" y="connsiteY26"/>
+              </a:cxn>
+              <a:cxn ang="0">
+                <a:pos x="connsiteX27" y="connsiteY27"/>
+              </a:cxn>
+              <a:cxn ang="0">
+                <a:pos x="connsiteX28" y="connsiteY28"/>
+              </a:cxn>
+              <a:cxn ang="0">
+                <a:pos x="connsiteX29" y="connsiteY29"/>
+              </a:cxn>
+              <a:cxn ang="0">
+                <a:pos x="connsiteX30" y="connsiteY30"/>
+              </a:cxn>
+              <a:cxn ang="0">
+                <a:pos x="connsiteX31" y="connsiteY31"/>
+              </a:cxn>
+              <a:cxn ang="0">
+                <a:pos x="connsiteX32" y="connsiteY32"/>
+              </a:cxn>
+              <a:cxn ang="0">
+                <a:pos x="connsiteX33" y="connsiteY33"/>
+              </a:cxn>
+              <a:cxn ang="0">
+                <a:pos x="connsiteX34" y="connsiteY34"/>
+              </a:cxn>
+              <a:cxn ang="0">
+                <a:pos x="connsiteX35" y="connsiteY35"/>
+              </a:cxn>
+              <a:cxn ang="0">
+                <a:pos x="connsiteX36" y="connsiteY36"/>
+              </a:cxn>
+              <a:cxn ang="0">
+                <a:pos x="connsiteX37" y="connsiteY37"/>
+              </a:cxn>
+              <a:cxn ang="0">
+                <a:pos x="connsiteX38" y="connsiteY38"/>
+              </a:cxn>
+              <a:cxn ang="0">
+                <a:pos x="connsiteX39" y="connsiteY39"/>
+              </a:cxn>
+              <a:cxn ang="0">
+                <a:pos x="connsiteX40" y="connsiteY40"/>
+              </a:cxn>
+              <a:cxn ang="0">
+                <a:pos x="connsiteX41" y="connsiteY41"/>
+              </a:cxn>
+              <a:cxn ang="0">
+                <a:pos x="connsiteX42" y="connsiteY42"/>
+              </a:cxn>
+              <a:cxn ang="0">
+                <a:pos x="connsiteX43" y="connsiteY43"/>
+              </a:cxn>
+              <a:cxn ang="0">
+                <a:pos x="connsiteX44" y="connsiteY44"/>
+              </a:cxn>
+              <a:cxn ang="0">
+                <a:pos x="connsiteX45" y="connsiteY45"/>
+              </a:cxn>
+              <a:cxn ang="0">
+                <a:pos x="connsiteX46" y="connsiteY46"/>
+              </a:cxn>
+              <a:cxn ang="0">
+                <a:pos x="connsiteX47" y="connsiteY47"/>
+              </a:cxn>
+              <a:cxn ang="0">
+                <a:pos x="connsiteX48" y="connsiteY48"/>
+              </a:cxn>
+              <a:cxn ang="0">
+                <a:pos x="connsiteX49" y="connsiteY49"/>
+              </a:cxn>
+              <a:cxn ang="0">
+                <a:pos x="connsiteX50" y="connsiteY50"/>
+              </a:cxn>
+              <a:cxn ang="0">
+                <a:pos x="connsiteX51" y="connsiteY51"/>
+              </a:cxn>
+              <a:cxn ang="0">
+                <a:pos x="connsiteX52" y="connsiteY52"/>
+              </a:cxn>
+              <a:cxn ang="0">
+                <a:pos x="connsiteX53" y="connsiteY53"/>
+              </a:cxn>
+              <a:cxn ang="0">
+                <a:pos x="connsiteX54" y="connsiteY54"/>
+              </a:cxn>
+              <a:cxn ang="0">
+                <a:pos x="connsiteX55" y="connsiteY55"/>
+              </a:cxn>
+              <a:cxn ang="0">
+                <a:pos x="connsiteX56" y="connsiteY56"/>
+              </a:cxn>
+              <a:cxn ang="0">
+                <a:pos x="connsiteX57" y="connsiteY57"/>
+              </a:cxn>
+              <a:cxn ang="0">
+                <a:pos x="connsiteX58" y="connsiteY58"/>
+              </a:cxn>
+              <a:cxn ang="0">
+                <a:pos x="connsiteX59" y="connsiteY59"/>
+              </a:cxn>
+              <a:cxn ang="0">
+                <a:pos x="connsiteX60" y="connsiteY60"/>
+              </a:cxn>
+              <a:cxn ang="0">
+                <a:pos x="connsiteX61" y="connsiteY61"/>
+              </a:cxn>
+              <a:cxn ang="0">
+                <a:pos x="connsiteX62" y="connsiteY62"/>
+              </a:cxn>
+              <a:cxn ang="0">
+                <a:pos x="connsiteX63" y="connsiteY63"/>
+              </a:cxn>
+              <a:cxn ang="0">
+                <a:pos x="connsiteX64" y="connsiteY64"/>
+              </a:cxn>
+              <a:cxn ang="0">
+                <a:pos x="connsiteX65" y="connsiteY65"/>
+              </a:cxn>
+              <a:cxn ang="0">
+                <a:pos x="connsiteX66" y="connsiteY66"/>
+              </a:cxn>
+              <a:cxn ang="0">
+                <a:pos x="connsiteX67" y="connsiteY67"/>
+              </a:cxn>
+              <a:cxn ang="0">
+                <a:pos x="connsiteX68" y="connsiteY68"/>
+              </a:cxn>
+              <a:cxn ang="0">
+                <a:pos x="connsiteX69" y="connsiteY69"/>
+              </a:cxn>
+              <a:cxn ang="0">
+                <a:pos x="connsiteX70" y="connsiteY70"/>
+              </a:cxn>
+              <a:cxn ang="0">
+                <a:pos x="connsiteX71" y="connsiteY71"/>
+              </a:cxn>
+              <a:cxn ang="0">
+                <a:pos x="connsiteX72" y="connsiteY72"/>
+              </a:cxn>
+              <a:cxn ang="0">
+                <a:pos x="connsiteX73" y="connsiteY73"/>
+              </a:cxn>
+              <a:cxn ang="0">
+                <a:pos x="connsiteX74" y="connsiteY74"/>
+              </a:cxn>
+              <a:cxn ang="0">
+                <a:pos x="connsiteX75" y="connsiteY75"/>
+              </a:cxn>
+              <a:cxn ang="0">
+                <a:pos x="connsiteX76" y="connsiteY76"/>
+              </a:cxn>
+              <a:cxn ang="0">
+                <a:pos x="connsiteX77" y="connsiteY77"/>
+              </a:cxn>
+              <a:cxn ang="0">
+                <a:pos x="connsiteX78" y="connsiteY78"/>
+              </a:cxn>
+              <a:cxn ang="0">
+                <a:pos x="connsiteX79" y="connsiteY79"/>
+              </a:cxn>
+              <a:cxn ang="0">
+                <a:pos x="connsiteX80" y="connsiteY80"/>
+              </a:cxn>
+              <a:cxn ang="0">
+                <a:pos x="connsiteX81" y="connsiteY81"/>
+              </a:cxn>
+              <a:cxn ang="0">
+                <a:pos x="connsiteX82" y="connsiteY82"/>
+              </a:cxn>
+              <a:cxn ang="0">
+                <a:pos x="connsiteX83" y="connsiteY83"/>
+              </a:cxn>
+              <a:cxn ang="0">
+                <a:pos x="connsiteX84" y="connsiteY84"/>
+              </a:cxn>
+              <a:cxn ang="0">
+                <a:pos x="connsiteX85" y="connsiteY85"/>
+              </a:cxn>
+              <a:cxn ang="0">
+                <a:pos x="connsiteX86" y="connsiteY86"/>
+              </a:cxn>
+              <a:cxn ang="0">
+                <a:pos x="connsiteX87" y="connsiteY87"/>
+              </a:cxn>
+              <a:cxn ang="0">
+                <a:pos x="connsiteX88" y="connsiteY88"/>
+              </a:cxn>
+              <a:cxn ang="0">
+                <a:pos x="connsiteX89" y="connsiteY89"/>
+              </a:cxn>
+              <a:cxn ang="0">
+                <a:pos x="connsiteX90" y="connsiteY90"/>
+              </a:cxn>
+              <a:cxn ang="0">
+                <a:pos x="connsiteX91" y="connsiteY91"/>
+              </a:cxn>
+              <a:cxn ang="0">
+                <a:pos x="connsiteX92" y="connsiteY92"/>
+              </a:cxn>
+              <a:cxn ang="0">
+                <a:pos x="connsiteX93" y="connsiteY93"/>
+              </a:cxn>
+              <a:cxn ang="0">
+                <a:pos x="connsiteX94" y="connsiteY94"/>
+              </a:cxn>
+              <a:cxn ang="0">
+                <a:pos x="connsiteX95" y="connsiteY95"/>
+              </a:cxn>
+              <a:cxn ang="0">
+                <a:pos x="connsiteX96" y="connsiteY96"/>
+              </a:cxn>
+              <a:cxn ang="0">
+                <a:pos x="connsiteX97" y="connsiteY97"/>
+              </a:cxn>
+              <a:cxn ang="0">
+                <a:pos x="connsiteX98" y="connsiteY98"/>
+              </a:cxn>
+              <a:cxn ang="0">
+                <a:pos x="connsiteX99" y="connsiteY99"/>
+              </a:cxn>
+              <a:cxn ang="0">
+                <a:pos x="connsiteX100" y="connsiteY100"/>
+              </a:cxn>
+              <a:cxn ang="0">
+                <a:pos x="connsiteX101" y="connsiteY101"/>
+              </a:cxn>
+              <a:cxn ang="0">
+                <a:pos x="connsiteX102" y="connsiteY102"/>
+              </a:cxn>
+              <a:cxn ang="0">
+                <a:pos x="connsiteX103" y="connsiteY103"/>
+              </a:cxn>
+              <a:cxn ang="0">
+                <a:pos x="connsiteX104" y="connsiteY104"/>
+              </a:cxn>
+              <a:cxn ang="0">
+                <a:pos x="connsiteX105" y="connsiteY105"/>
+              </a:cxn>
+              <a:cxn ang="0">
+                <a:pos x="connsiteX106" y="connsiteY106"/>
+              </a:cxn>
+              <a:cxn ang="0">
+                <a:pos x="connsiteX107" y="connsiteY107"/>
+              </a:cxn>
+              <a:cxn ang="0">
+                <a:pos x="connsiteX108" y="connsiteY108"/>
+              </a:cxn>
+              <a:cxn ang="0">
+                <a:pos x="connsiteX109" y="connsiteY109"/>
+              </a:cxn>
+              <a:cxn ang="0">
+                <a:pos x="connsiteX110" y="connsiteY110"/>
+              </a:cxn>
+              <a:cxn ang="0">
+                <a:pos x="connsiteX111" y="connsiteY111"/>
+              </a:cxn>
+              <a:cxn ang="0">
+                <a:pos x="connsiteX112" y="connsiteY112"/>
+              </a:cxn>
+              <a:cxn ang="0">
+                <a:pos x="connsiteX113" y="connsiteY113"/>
+              </a:cxn>
+              <a:cxn ang="0">
+                <a:pos x="connsiteX114" y="connsiteY114"/>
+              </a:cxn>
+              <a:cxn ang="0">
+                <a:pos x="connsiteX115" y="connsiteY115"/>
+              </a:cxn>
+              <a:cxn ang="0">
+                <a:pos x="connsiteX116" y="connsiteY116"/>
+              </a:cxn>
+              <a:cxn ang="0">
+                <a:pos x="connsiteX117" y="connsiteY117"/>
+              </a:cxn>
+              <a:cxn ang="0">
+                <a:pos x="connsiteX118" y="connsiteY118"/>
+              </a:cxn>
+              <a:cxn ang="0">
+                <a:pos x="connsiteX119" y="connsiteY119"/>
+              </a:cxn>
+              <a:cxn ang="0">
+                <a:pos x="connsiteX120" y="connsiteY120"/>
+              </a:cxn>
+              <a:cxn ang="0">
+                <a:pos x="connsiteX121" y="connsiteY121"/>
+              </a:cxn>
+              <a:cxn ang="0">
+                <a:pos x="connsiteX122" y="connsiteY122"/>
+              </a:cxn>
+              <a:cxn ang="0">
+                <a:pos x="connsiteX123" y="connsiteY123"/>
+              </a:cxn>
+              <a:cxn ang="0">
+                <a:pos x="connsiteX124" y="connsiteY124"/>
+              </a:cxn>
+              <a:cxn ang="0">
+                <a:pos x="connsiteX125" y="connsiteY125"/>
+              </a:cxn>
+              <a:cxn ang="0">
+                <a:pos x="connsiteX126" y="connsiteY126"/>
+              </a:cxn>
+            </a:cxnLst>
+            <a:rect l="l" t="t" r="r" b="b"/>
+            <a:pathLst>
+              <a:path w="608430" h="608239">
+                <a:moveTo>
+                  <a:pt x="291327" y="232337"/>
+                </a:moveTo>
+                <a:cubicBezTo>
+                  <a:pt x="293617" y="232337"/>
+                  <a:pt x="295386" y="234000"/>
+                  <a:pt x="296219" y="235039"/>
+                </a:cubicBezTo>
+                <a:cubicBezTo>
+                  <a:pt x="298196" y="237429"/>
+                  <a:pt x="301110" y="238780"/>
+                  <a:pt x="304232" y="238780"/>
+                </a:cubicBezTo>
+                <a:cubicBezTo>
+                  <a:pt x="307354" y="238780"/>
+                  <a:pt x="310268" y="237429"/>
+                  <a:pt x="312246" y="235039"/>
+                </a:cubicBezTo>
+                <a:cubicBezTo>
+                  <a:pt x="313078" y="234000"/>
+                  <a:pt x="314848" y="232337"/>
+                  <a:pt x="317241" y="232337"/>
+                </a:cubicBezTo>
+                <a:cubicBezTo>
+                  <a:pt x="319219" y="232337"/>
+                  <a:pt x="321508" y="233480"/>
+                  <a:pt x="323173" y="235454"/>
+                </a:cubicBezTo>
+                <a:cubicBezTo>
+                  <a:pt x="324214" y="236701"/>
+                  <a:pt x="325983" y="239299"/>
+                  <a:pt x="325359" y="242936"/>
+                </a:cubicBezTo>
+                <a:lnTo>
+                  <a:pt x="304232" y="363165"/>
+                </a:lnTo>
+                <a:lnTo>
+                  <a:pt x="283106" y="243040"/>
+                </a:lnTo>
+                <a:cubicBezTo>
+                  <a:pt x="282585" y="239299"/>
+                  <a:pt x="284667" y="236494"/>
+                  <a:pt x="285499" y="235454"/>
+                </a:cubicBezTo>
+                <a:cubicBezTo>
+                  <a:pt x="287164" y="233584"/>
+                  <a:pt x="289454" y="232337"/>
+                  <a:pt x="291327" y="232337"/>
+                </a:cubicBezTo>
+                <a:close/>
+                <a:moveTo>
+                  <a:pt x="304233" y="124019"/>
+                </a:moveTo>
+                <a:cubicBezTo>
+                  <a:pt x="361572" y="124019"/>
+                  <a:pt x="408192" y="167465"/>
+                  <a:pt x="408192" y="220890"/>
+                </a:cubicBezTo>
+                <a:cubicBezTo>
+                  <a:pt x="408192" y="260802"/>
+                  <a:pt x="393103" y="282838"/>
+                  <a:pt x="375724" y="308406"/>
+                </a:cubicBezTo>
+                <a:cubicBezTo>
+                  <a:pt x="361260" y="329610"/>
+                  <a:pt x="343673" y="355283"/>
+                  <a:pt x="338366" y="389063"/>
+                </a:cubicBezTo>
+                <a:lnTo>
+                  <a:pt x="320779" y="389063"/>
+                </a:lnTo>
+                <a:lnTo>
+                  <a:pt x="345858" y="246459"/>
+                </a:lnTo>
+                <a:cubicBezTo>
+                  <a:pt x="345962" y="246355"/>
+                  <a:pt x="345962" y="246251"/>
+                  <a:pt x="345962" y="246147"/>
+                </a:cubicBezTo>
+                <a:cubicBezTo>
+                  <a:pt x="347315" y="237416"/>
+                  <a:pt x="344713" y="228581"/>
+                  <a:pt x="338990" y="221825"/>
+                </a:cubicBezTo>
+                <a:cubicBezTo>
+                  <a:pt x="333371" y="215381"/>
+                  <a:pt x="325254" y="211535"/>
+                  <a:pt x="317241" y="211535"/>
+                </a:cubicBezTo>
+                <a:cubicBezTo>
+                  <a:pt x="312662" y="211535"/>
+                  <a:pt x="308187" y="212783"/>
+                  <a:pt x="304233" y="214965"/>
+                </a:cubicBezTo>
+                <a:cubicBezTo>
+                  <a:pt x="300278" y="212783"/>
+                  <a:pt x="295804" y="211535"/>
+                  <a:pt x="291329" y="211535"/>
+                </a:cubicBezTo>
+                <a:cubicBezTo>
+                  <a:pt x="283316" y="211535"/>
+                  <a:pt x="275511" y="215277"/>
+                  <a:pt x="269788" y="221929"/>
+                </a:cubicBezTo>
+                <a:cubicBezTo>
+                  <a:pt x="263856" y="228685"/>
+                  <a:pt x="261254" y="237520"/>
+                  <a:pt x="262503" y="246147"/>
+                </a:cubicBezTo>
+                <a:cubicBezTo>
+                  <a:pt x="262607" y="246251"/>
+                  <a:pt x="262607" y="246355"/>
+                  <a:pt x="262607" y="246459"/>
+                </a:cubicBezTo>
+                <a:lnTo>
+                  <a:pt x="287687" y="389063"/>
+                </a:lnTo>
+                <a:lnTo>
+                  <a:pt x="270204" y="389063"/>
+                </a:lnTo>
+                <a:cubicBezTo>
+                  <a:pt x="264897" y="355283"/>
+                  <a:pt x="247310" y="329506"/>
+                  <a:pt x="232845" y="308303"/>
+                </a:cubicBezTo>
+                <a:cubicBezTo>
+                  <a:pt x="215362" y="282838"/>
+                  <a:pt x="200377" y="260802"/>
+                  <a:pt x="200377" y="220890"/>
+                </a:cubicBezTo>
+                <a:cubicBezTo>
+                  <a:pt x="200377" y="167465"/>
+                  <a:pt x="246998" y="124019"/>
+                  <a:pt x="304233" y="124019"/>
+                </a:cubicBezTo>
+                <a:close/>
+                <a:moveTo>
+                  <a:pt x="304195" y="89961"/>
+                </a:moveTo>
+                <a:cubicBezTo>
+                  <a:pt x="228112" y="89961"/>
+                  <a:pt x="166184" y="148783"/>
+                  <a:pt x="166184" y="220907"/>
+                </a:cubicBezTo>
+                <a:cubicBezTo>
+                  <a:pt x="166184" y="271311"/>
+                  <a:pt x="185751" y="299891"/>
+                  <a:pt x="204590" y="327535"/>
+                </a:cubicBezTo>
+                <a:cubicBezTo>
+                  <a:pt x="220410" y="350503"/>
+                  <a:pt x="236647" y="374406"/>
+                  <a:pt x="237688" y="406623"/>
+                </a:cubicBezTo>
+                <a:cubicBezTo>
+                  <a:pt x="237896" y="414521"/>
+                  <a:pt x="243620" y="421068"/>
+                  <a:pt x="251114" y="422731"/>
+                </a:cubicBezTo>
+                <a:cubicBezTo>
+                  <a:pt x="244141" y="424810"/>
+                  <a:pt x="239041" y="431357"/>
+                  <a:pt x="239041" y="438944"/>
+                </a:cubicBezTo>
+                <a:cubicBezTo>
+                  <a:pt x="239041" y="445699"/>
+                  <a:pt x="242996" y="451519"/>
+                  <a:pt x="248720" y="454325"/>
+                </a:cubicBezTo>
+                <a:cubicBezTo>
+                  <a:pt x="242996" y="457027"/>
+                  <a:pt x="239041" y="462847"/>
+                  <a:pt x="239041" y="469602"/>
+                </a:cubicBezTo>
+                <a:cubicBezTo>
+                  <a:pt x="239041" y="479059"/>
+                  <a:pt x="246639" y="486646"/>
+                  <a:pt x="256110" y="486646"/>
+                </a:cubicBezTo>
+                <a:lnTo>
+                  <a:pt x="266518" y="486646"/>
+                </a:lnTo>
+                <a:cubicBezTo>
+                  <a:pt x="269745" y="504521"/>
+                  <a:pt x="285357" y="518135"/>
+                  <a:pt x="304195" y="518135"/>
+                </a:cubicBezTo>
+                <a:cubicBezTo>
+                  <a:pt x="323034" y="518135"/>
+                  <a:pt x="338750" y="504521"/>
+                  <a:pt x="341977" y="486646"/>
+                </a:cubicBezTo>
+                <a:lnTo>
+                  <a:pt x="352385" y="486646"/>
+                </a:lnTo>
+                <a:cubicBezTo>
+                  <a:pt x="361752" y="486646"/>
+                  <a:pt x="369454" y="479059"/>
+                  <a:pt x="369454" y="469602"/>
+                </a:cubicBezTo>
+                <a:cubicBezTo>
+                  <a:pt x="369454" y="462847"/>
+                  <a:pt x="365499" y="457027"/>
+                  <a:pt x="359774" y="454325"/>
+                </a:cubicBezTo>
+                <a:cubicBezTo>
+                  <a:pt x="365499" y="451519"/>
+                  <a:pt x="369454" y="445699"/>
+                  <a:pt x="369454" y="438944"/>
+                </a:cubicBezTo>
+                <a:cubicBezTo>
+                  <a:pt x="369454" y="431357"/>
+                  <a:pt x="364354" y="424914"/>
+                  <a:pt x="357485" y="422731"/>
+                </a:cubicBezTo>
+                <a:cubicBezTo>
+                  <a:pt x="364978" y="421172"/>
+                  <a:pt x="370599" y="414625"/>
+                  <a:pt x="370911" y="406623"/>
+                </a:cubicBezTo>
+                <a:cubicBezTo>
+                  <a:pt x="371848" y="374406"/>
+                  <a:pt x="388084" y="350607"/>
+                  <a:pt x="403905" y="327535"/>
+                </a:cubicBezTo>
+                <a:cubicBezTo>
+                  <a:pt x="422743" y="299891"/>
+                  <a:pt x="442206" y="271311"/>
+                  <a:pt x="442206" y="220907"/>
+                </a:cubicBezTo>
+                <a:cubicBezTo>
+                  <a:pt x="442206" y="148783"/>
+                  <a:pt x="380278" y="89961"/>
+                  <a:pt x="304195" y="89961"/>
+                </a:cubicBezTo>
+                <a:close/>
+                <a:moveTo>
+                  <a:pt x="341872" y="65"/>
+                </a:moveTo>
+                <a:cubicBezTo>
+                  <a:pt x="344058" y="273"/>
+                  <a:pt x="346036" y="1624"/>
+                  <a:pt x="347077" y="3598"/>
+                </a:cubicBezTo>
+                <a:cubicBezTo>
+                  <a:pt x="363001" y="33217"/>
+                  <a:pt x="379862" y="46416"/>
+                  <a:pt x="401719" y="46416"/>
+                </a:cubicBezTo>
+                <a:cubicBezTo>
+                  <a:pt x="413480" y="46416"/>
+                  <a:pt x="427115" y="42674"/>
+                  <a:pt x="443351" y="34776"/>
+                </a:cubicBezTo>
+                <a:cubicBezTo>
+                  <a:pt x="445329" y="33841"/>
+                  <a:pt x="447723" y="33945"/>
+                  <a:pt x="449700" y="34984"/>
+                </a:cubicBezTo>
+                <a:cubicBezTo>
+                  <a:pt x="451678" y="36127"/>
+                  <a:pt x="453031" y="38102"/>
+                  <a:pt x="453239" y="40284"/>
+                </a:cubicBezTo>
+                <a:cubicBezTo>
+                  <a:pt x="458131" y="85180"/>
+                  <a:pt x="476241" y="103471"/>
+                  <a:pt x="515479" y="103471"/>
+                </a:cubicBezTo>
+                <a:cubicBezTo>
+                  <a:pt x="519955" y="103471"/>
+                  <a:pt x="524846" y="103263"/>
+                  <a:pt x="529946" y="102744"/>
+                </a:cubicBezTo>
+                <a:cubicBezTo>
+                  <a:pt x="532132" y="102536"/>
+                  <a:pt x="534422" y="103471"/>
+                  <a:pt x="535879" y="105134"/>
+                </a:cubicBezTo>
+                <a:cubicBezTo>
+                  <a:pt x="537336" y="106901"/>
+                  <a:pt x="537856" y="109187"/>
+                  <a:pt x="537336" y="111369"/>
+                </a:cubicBezTo>
+                <a:cubicBezTo>
+                  <a:pt x="530883" y="136416"/>
+                  <a:pt x="531508" y="154291"/>
+                  <a:pt x="539314" y="167905"/>
+                </a:cubicBezTo>
+                <a:cubicBezTo>
+                  <a:pt x="547120" y="181415"/>
+                  <a:pt x="562315" y="190977"/>
+                  <a:pt x="587191" y="198251"/>
+                </a:cubicBezTo>
+                <a:cubicBezTo>
+                  <a:pt x="589272" y="198875"/>
+                  <a:pt x="591042" y="200434"/>
+                  <a:pt x="591770" y="202616"/>
+                </a:cubicBezTo>
+                <a:cubicBezTo>
+                  <a:pt x="592499" y="204695"/>
+                  <a:pt x="592187" y="206981"/>
+                  <a:pt x="590938" y="208852"/>
+                </a:cubicBezTo>
+                <a:cubicBezTo>
+                  <a:pt x="561483" y="251046"/>
+                  <a:pt x="565542" y="278482"/>
+                  <a:pt x="605821" y="310076"/>
+                </a:cubicBezTo>
+                <a:cubicBezTo>
+                  <a:pt x="607486" y="311531"/>
+                  <a:pt x="608527" y="313609"/>
+                  <a:pt x="608423" y="315896"/>
+                </a:cubicBezTo>
+                <a:cubicBezTo>
+                  <a:pt x="608319" y="318078"/>
+                  <a:pt x="607174" y="320156"/>
+                  <a:pt x="605301" y="321300"/>
+                </a:cubicBezTo>
+                <a:cubicBezTo>
+                  <a:pt x="563044" y="349048"/>
+                  <a:pt x="556591" y="376692"/>
+                  <a:pt x="582403" y="420029"/>
+                </a:cubicBezTo>
+                <a:cubicBezTo>
+                  <a:pt x="583548" y="421900"/>
+                  <a:pt x="583652" y="424290"/>
+                  <a:pt x="582715" y="426369"/>
+                </a:cubicBezTo>
+                <a:cubicBezTo>
+                  <a:pt x="581778" y="428343"/>
+                  <a:pt x="580009" y="429902"/>
+                  <a:pt x="577719" y="430318"/>
+                </a:cubicBezTo>
+                <a:cubicBezTo>
+                  <a:pt x="552428" y="435410"/>
+                  <a:pt x="536607" y="443724"/>
+                  <a:pt x="527865" y="456507"/>
+                </a:cubicBezTo>
+                <a:cubicBezTo>
+                  <a:pt x="519122" y="469186"/>
+                  <a:pt x="517144" y="486750"/>
+                  <a:pt x="521412" y="511796"/>
+                </a:cubicBezTo>
+                <a:cubicBezTo>
+                  <a:pt x="521620" y="512419"/>
+                  <a:pt x="521620" y="513043"/>
+                  <a:pt x="521620" y="513666"/>
+                </a:cubicBezTo>
+                <a:cubicBezTo>
+                  <a:pt x="521620" y="517512"/>
+                  <a:pt x="518602" y="520526"/>
+                  <a:pt x="514751" y="520526"/>
+                </a:cubicBezTo>
+                <a:cubicBezTo>
+                  <a:pt x="514334" y="520526"/>
+                  <a:pt x="513918" y="520526"/>
+                  <a:pt x="513502" y="520422"/>
+                </a:cubicBezTo>
+                <a:cubicBezTo>
+                  <a:pt x="505071" y="518967"/>
+                  <a:pt x="497265" y="518239"/>
+                  <a:pt x="490396" y="518239"/>
+                </a:cubicBezTo>
+                <a:cubicBezTo>
+                  <a:pt x="456986" y="518239"/>
+                  <a:pt x="440125" y="535179"/>
+                  <a:pt x="432110" y="576749"/>
+                </a:cubicBezTo>
+                <a:cubicBezTo>
+                  <a:pt x="431694" y="578932"/>
+                  <a:pt x="430237" y="580803"/>
+                  <a:pt x="428155" y="581738"/>
+                </a:cubicBezTo>
+                <a:cubicBezTo>
+                  <a:pt x="426178" y="582673"/>
+                  <a:pt x="423784" y="582569"/>
+                  <a:pt x="421806" y="581426"/>
+                </a:cubicBezTo>
+                <a:cubicBezTo>
+                  <a:pt x="404425" y="571345"/>
+                  <a:pt x="389854" y="566461"/>
+                  <a:pt x="377052" y="566461"/>
+                </a:cubicBezTo>
+                <a:cubicBezTo>
+                  <a:pt x="357381" y="566461"/>
+                  <a:pt x="340311" y="578724"/>
+                  <a:pt x="323242" y="605017"/>
+                </a:cubicBezTo>
+                <a:cubicBezTo>
+                  <a:pt x="322826" y="605641"/>
+                  <a:pt x="322409" y="606160"/>
+                  <a:pt x="321889" y="606576"/>
+                </a:cubicBezTo>
+                <a:cubicBezTo>
+                  <a:pt x="321369" y="606992"/>
+                  <a:pt x="320744" y="607408"/>
+                  <a:pt x="320120" y="607615"/>
+                </a:cubicBezTo>
+                <a:cubicBezTo>
+                  <a:pt x="320016" y="607719"/>
+                  <a:pt x="320016" y="607719"/>
+                  <a:pt x="320016" y="607719"/>
+                </a:cubicBezTo>
+                <a:cubicBezTo>
+                  <a:pt x="319911" y="607719"/>
+                  <a:pt x="319807" y="607719"/>
+                  <a:pt x="319703" y="607823"/>
+                </a:cubicBezTo>
+                <a:cubicBezTo>
+                  <a:pt x="319079" y="608031"/>
+                  <a:pt x="318454" y="608135"/>
+                  <a:pt x="317830" y="608135"/>
+                </a:cubicBezTo>
+                <a:cubicBezTo>
+                  <a:pt x="317622" y="608239"/>
+                  <a:pt x="317518" y="608239"/>
+                  <a:pt x="317414" y="608239"/>
+                </a:cubicBezTo>
+                <a:cubicBezTo>
+                  <a:pt x="316893" y="608239"/>
+                  <a:pt x="316373" y="608135"/>
+                  <a:pt x="315852" y="608031"/>
+                </a:cubicBezTo>
+                <a:cubicBezTo>
+                  <a:pt x="315540" y="607927"/>
+                  <a:pt x="315332" y="607927"/>
+                  <a:pt x="315124" y="607823"/>
+                </a:cubicBezTo>
+                <a:cubicBezTo>
+                  <a:pt x="314603" y="607615"/>
+                  <a:pt x="314187" y="607408"/>
+                  <a:pt x="313771" y="607096"/>
+                </a:cubicBezTo>
+                <a:cubicBezTo>
+                  <a:pt x="313771" y="607096"/>
+                  <a:pt x="313667" y="607096"/>
+                  <a:pt x="313667" y="607096"/>
+                </a:cubicBezTo>
+                <a:cubicBezTo>
+                  <a:pt x="313042" y="606680"/>
+                  <a:pt x="312418" y="606160"/>
+                  <a:pt x="311897" y="605537"/>
+                </a:cubicBezTo>
+                <a:cubicBezTo>
+                  <a:pt x="294516" y="582985"/>
+                  <a:pt x="278383" y="572488"/>
+                  <a:pt x="261210" y="572488"/>
+                </a:cubicBezTo>
+                <a:cubicBezTo>
+                  <a:pt x="247575" y="572488"/>
+                  <a:pt x="232276" y="579036"/>
+                  <a:pt x="214374" y="592546"/>
+                </a:cubicBezTo>
+                <a:cubicBezTo>
+                  <a:pt x="212604" y="593897"/>
+                  <a:pt x="210210" y="594313"/>
+                  <a:pt x="208025" y="593585"/>
+                </a:cubicBezTo>
+                <a:cubicBezTo>
+                  <a:pt x="205943" y="592962"/>
+                  <a:pt x="204278" y="591195"/>
+                  <a:pt x="203549" y="589117"/>
+                </a:cubicBezTo>
+                <a:cubicBezTo>
+                  <a:pt x="191996" y="552015"/>
+                  <a:pt x="175031" y="536114"/>
+                  <a:pt x="146825" y="536114"/>
+                </a:cubicBezTo>
+                <a:cubicBezTo>
+                  <a:pt x="137666" y="536114"/>
+                  <a:pt x="127466" y="537777"/>
+                  <a:pt x="115497" y="540999"/>
+                </a:cubicBezTo>
+                <a:cubicBezTo>
+                  <a:pt x="113311" y="541622"/>
+                  <a:pt x="111022" y="541103"/>
+                  <a:pt x="109252" y="539752"/>
+                </a:cubicBezTo>
+                <a:cubicBezTo>
+                  <a:pt x="107483" y="538297"/>
+                  <a:pt x="106546" y="536114"/>
+                  <a:pt x="106754" y="533828"/>
+                </a:cubicBezTo>
+                <a:cubicBezTo>
+                  <a:pt x="108628" y="508262"/>
+                  <a:pt x="104881" y="490803"/>
+                  <a:pt x="94889" y="479163"/>
+                </a:cubicBezTo>
+                <a:cubicBezTo>
+                  <a:pt x="85001" y="467419"/>
+                  <a:pt x="68348" y="460872"/>
+                  <a:pt x="42745" y="458586"/>
+                </a:cubicBezTo>
+                <a:cubicBezTo>
+                  <a:pt x="40455" y="458482"/>
+                  <a:pt x="38477" y="457131"/>
+                  <a:pt x="37332" y="455260"/>
+                </a:cubicBezTo>
+                <a:cubicBezTo>
+                  <a:pt x="36187" y="453286"/>
+                  <a:pt x="36083" y="450895"/>
+                  <a:pt x="37020" y="448817"/>
+                </a:cubicBezTo>
+                <a:cubicBezTo>
+                  <a:pt x="47845" y="425226"/>
+                  <a:pt x="50447" y="407350"/>
+                  <a:pt x="45243" y="392489"/>
+                </a:cubicBezTo>
+                <a:cubicBezTo>
+                  <a:pt x="40038" y="377524"/>
+                  <a:pt x="26924" y="365052"/>
+                  <a:pt x="3818" y="353309"/>
+                </a:cubicBezTo>
+                <a:cubicBezTo>
+                  <a:pt x="1841" y="352270"/>
+                  <a:pt x="384" y="350399"/>
+                  <a:pt x="71" y="348113"/>
+                </a:cubicBezTo>
+                <a:cubicBezTo>
+                  <a:pt x="-241" y="345930"/>
+                  <a:pt x="488" y="343748"/>
+                  <a:pt x="2153" y="342189"/>
+                </a:cubicBezTo>
+                <a:cubicBezTo>
+                  <a:pt x="20784" y="324002"/>
+                  <a:pt x="29734" y="308205"/>
+                  <a:pt x="30359" y="292304"/>
+                </a:cubicBezTo>
+                <a:cubicBezTo>
+                  <a:pt x="30983" y="276404"/>
+                  <a:pt x="23281" y="259879"/>
+                  <a:pt x="6108" y="240341"/>
+                </a:cubicBezTo>
+                <a:cubicBezTo>
+                  <a:pt x="4651" y="238679"/>
+                  <a:pt x="4027" y="236392"/>
+                  <a:pt x="4547" y="234210"/>
+                </a:cubicBezTo>
+                <a:cubicBezTo>
+                  <a:pt x="5067" y="232027"/>
+                  <a:pt x="6629" y="230261"/>
+                  <a:pt x="8710" y="229325"/>
+                </a:cubicBezTo>
+                <a:cubicBezTo>
+                  <a:pt x="32649" y="219556"/>
+                  <a:pt x="46700" y="208228"/>
+                  <a:pt x="52944" y="193887"/>
+                </a:cubicBezTo>
+                <a:cubicBezTo>
+                  <a:pt x="59293" y="179545"/>
+                  <a:pt x="58044" y="161566"/>
+                  <a:pt x="48989" y="137351"/>
+                </a:cubicBezTo>
+                <a:cubicBezTo>
+                  <a:pt x="48261" y="135272"/>
+                  <a:pt x="48573" y="132882"/>
+                  <a:pt x="49822" y="131011"/>
+                </a:cubicBezTo>
+                <a:cubicBezTo>
+                  <a:pt x="51071" y="129141"/>
+                  <a:pt x="53153" y="128101"/>
+                  <a:pt x="55442" y="127998"/>
+                </a:cubicBezTo>
+                <a:cubicBezTo>
+                  <a:pt x="105922" y="127478"/>
+                  <a:pt x="124656" y="108563"/>
+                  <a:pt x="124656" y="58159"/>
+                </a:cubicBezTo>
+                <a:cubicBezTo>
+                  <a:pt x="124656" y="55873"/>
+                  <a:pt x="125801" y="53794"/>
+                  <a:pt x="127674" y="52443"/>
+                </a:cubicBezTo>
+                <a:cubicBezTo>
+                  <a:pt x="129444" y="51196"/>
+                  <a:pt x="131838" y="50885"/>
+                  <a:pt x="133919" y="51612"/>
+                </a:cubicBezTo>
+                <a:cubicBezTo>
+                  <a:pt x="147970" y="56600"/>
+                  <a:pt x="159731" y="58991"/>
+                  <a:pt x="170139" y="58991"/>
+                </a:cubicBezTo>
+                <a:cubicBezTo>
+                  <a:pt x="195015" y="58991"/>
+                  <a:pt x="212084" y="44025"/>
+                  <a:pt x="225614" y="10250"/>
+                </a:cubicBezTo>
+                <a:cubicBezTo>
+                  <a:pt x="226447" y="8171"/>
+                  <a:pt x="228216" y="6612"/>
+                  <a:pt x="230402" y="6092"/>
+                </a:cubicBezTo>
+                <a:cubicBezTo>
+                  <a:pt x="232588" y="5573"/>
+                  <a:pt x="234878" y="6196"/>
+                  <a:pt x="236543" y="7651"/>
+                </a:cubicBezTo>
+                <a:cubicBezTo>
+                  <a:pt x="254861" y="23656"/>
+                  <a:pt x="270785" y="31346"/>
+                  <a:pt x="285357" y="31346"/>
+                </a:cubicBezTo>
+                <a:cubicBezTo>
+                  <a:pt x="301593" y="31346"/>
+                  <a:pt x="317622" y="22097"/>
+                  <a:pt x="335836" y="2247"/>
+                </a:cubicBezTo>
+                <a:cubicBezTo>
+                  <a:pt x="337397" y="584"/>
+                  <a:pt x="339687" y="-247"/>
+                  <a:pt x="341872" y="65"/>
+                </a:cubicBezTo>
+                <a:close/>
+              </a:path>
+            </a:pathLst>
+          </a:custGeom>
+          <a:solidFill>
+            <a:schemeClr val="bg1"/>
+          </a:solidFill>
+          <a:ln>
+            <a:noFill/>
+          </a:ln>
+        </p:spPr>
+        <p:txBody>
+          <a:bodyPr/>
+          <a:p>
+            <a:pPr>
+              <a:lnSpc>
+                <a:spcPct val="130000"/>
+              </a:lnSpc>
+            </a:pPr>
+            <a:endParaRPr lang="zh-CN" altLang="en-US">
+              <a:cs typeface="+mn-ea"/>
+              <a:sym typeface="+mn-lt"/>
+            </a:endParaRPr>
+          </a:p>
+        </p:txBody>
+      </p:sp>
+      <p:sp>
+        <p:nvSpPr>
+          <p:cNvPr id="7" name="iš1ídé"/>
+          <p:cNvSpPr/>
+          <p:nvPr/>
+        </p:nvSpPr>
+        <p:spPr bwMode="auto">
+          <a:xfrm>
+            <a:off x="1699260" y="1294130"/>
+            <a:ext cx="8775700" cy="727710"/>
+          </a:xfrm>
+          <a:prstGeom prst="rect">
+            <a:avLst/>
+          </a:prstGeom>
+          <a:noFill/>
+          <a:ln>
+            <a:noFill/>
+          </a:ln>
+          <a:extLst>
+            <a:ext uri="{909E8E84-426E-40DD-AFC4-6F175D3DCCD1}">
+              <a14:hiddenFill xmlns:a14="http://schemas.microsoft.com/office/drawing/2010/main">
+                <a:solidFill>
+                  <a:srgbClr val="FFFFFF"/>
+                </a:solidFill>
+              </a14:hiddenFill>
+            </a:ext>
+            <a:ext uri="{91240B29-F687-4F45-9708-019B960494DF}">
+              <a14:hiddenLine xmlns:a14="http://schemas.microsoft.com/office/drawing/2010/main" w="9525">
+                <a:solidFill>
+                  <a:srgbClr val="000000"/>
+                </a:solidFill>
+                <a:miter lim="800000"/>
+                <a:headEnd/>
+                <a:tailEnd/>
+              </a14:hiddenLine>
+            </a:ext>
+          </a:extLst>
+        </p:spPr>
+        <p:txBody>
+          <a:bodyPr wrap="square" lIns="0" tIns="45720" rIns="0" bIns="45720" anchor="ctr" anchorCtr="0">
+            <a:normAutofit/>
+          </a:bodyPr>
+          <a:lstStyle>
+            <a:defPPr>
+              <a:defRPr lang="zh-CN"/>
+            </a:defPPr>
+            <a:lvl1pPr marL="0" algn="l" defTabSz="913765" rtl="0" eaLnBrk="1" latinLnBrk="0" hangingPunct="1">
+              <a:defRPr sz="1800" kern="1200">
+                <a:solidFill>
+                  <a:schemeClr val="tx1"/>
+                </a:solidFill>
+              </a:defRPr>
+            </a:lvl1pPr>
+            <a:lvl2pPr marL="457200" algn="l" defTabSz="913765" rtl="0" eaLnBrk="1" latinLnBrk="0" hangingPunct="1">
+              <a:defRPr sz="1800" kern="1200">
+                <a:solidFill>
+                  <a:schemeClr val="tx1"/>
+                </a:solidFill>
+              </a:defRPr>
+            </a:lvl2pPr>
+            <a:lvl3pPr marL="914400" algn="l" defTabSz="913765" rtl="0" eaLnBrk="1" latinLnBrk="0" hangingPunct="1">
+              <a:defRPr sz="1800" kern="1200">
+                <a:solidFill>
+                  <a:schemeClr val="tx1"/>
+                </a:solidFill>
+              </a:defRPr>
+            </a:lvl3pPr>
+            <a:lvl4pPr marL="1371600" algn="l" defTabSz="913765" rtl="0" eaLnBrk="1" latinLnBrk="0" hangingPunct="1">
+              <a:defRPr sz="1800" kern="1200">
+                <a:solidFill>
+                  <a:schemeClr val="tx1"/>
+                </a:solidFill>
+              </a:defRPr>
+            </a:lvl4pPr>
+            <a:lvl5pPr marL="1828800" algn="l" defTabSz="913765" rtl="0" eaLnBrk="1" latinLnBrk="0" hangingPunct="1">
+              <a:defRPr sz="1800" kern="1200">
+                <a:solidFill>
+                  <a:schemeClr val="tx1"/>
+                </a:solidFill>
+              </a:defRPr>
+            </a:lvl5pPr>
+            <a:lvl6pPr marL="2286000" algn="l" defTabSz="913765" rtl="0" eaLnBrk="1" latinLnBrk="0" hangingPunct="1">
+              <a:defRPr sz="1800" kern="1200">
+                <a:solidFill>
+                  <a:schemeClr val="tx1"/>
+                </a:solidFill>
+              </a:defRPr>
+            </a:lvl6pPr>
+            <a:lvl7pPr marL="2743200" algn="l" defTabSz="913765" rtl="0" eaLnBrk="1" latinLnBrk="0" hangingPunct="1">
+              <a:defRPr sz="1800" kern="1200">
+                <a:solidFill>
+                  <a:schemeClr val="tx1"/>
+                </a:solidFill>
+              </a:defRPr>
+            </a:lvl7pPr>
+            <a:lvl8pPr marL="3200400" algn="l" defTabSz="913765" rtl="0" eaLnBrk="1" latinLnBrk="0" hangingPunct="1">
+              <a:defRPr sz="1800" kern="1200">
+                <a:solidFill>
+                  <a:schemeClr val="tx1"/>
+                </a:solidFill>
+              </a:defRPr>
+            </a:lvl8pPr>
+            <a:lvl9pPr marL="3657600" algn="l" defTabSz="913765" rtl="0" eaLnBrk="1" latinLnBrk="0" hangingPunct="1">
+              <a:defRPr sz="1800" kern="1200">
+                <a:solidFill>
+                  <a:schemeClr val="tx1"/>
+                </a:solidFill>
+              </a:defRPr>
+            </a:lvl9pPr>
+          </a:lstStyle>
+          <a:p>
+            <a:pPr algn="just">
+              <a:lnSpc>
+                <a:spcPct val="130000"/>
+              </a:lnSpc>
+            </a:pPr>
+            <a:r>
+              <a:rPr lang="en-US" altLang="zh-CN" dirty="0">
+                <a:cs typeface="+mn-ea"/>
+                <a:sym typeface="+mn-lt"/>
+              </a:rPr>
+              <a:t>2021.7</a:t>
+            </a:r>
+            <a:r>
+              <a:rPr lang="zh-CN" altLang="en-US" dirty="0">
+                <a:cs typeface="+mn-ea"/>
+                <a:sym typeface="+mn-lt"/>
+              </a:rPr>
+              <a:t>～</a:t>
+            </a:r>
+            <a:r>
+              <a:rPr lang="en-US" altLang="zh-CN" dirty="0">
+                <a:cs typeface="+mn-ea"/>
+                <a:sym typeface="+mn-lt"/>
+              </a:rPr>
+              <a:t>2022.2</a:t>
+            </a:r>
+            <a:r>
+              <a:rPr lang="en-US" altLang="zh-CN" sz="2000" dirty="0">
+                <a:cs typeface="+mn-ea"/>
+                <a:sym typeface="+mn-lt"/>
+              </a:rPr>
+              <a:t> </a:t>
+            </a:r>
+            <a:r>
+              <a:rPr lang="zh-CN" altLang="en-US" dirty="0">
+                <a:cs typeface="+mn-ea"/>
+                <a:sym typeface="+mn-lt"/>
+              </a:rPr>
+              <a:t>实践积累的相关技术经验，实现</a:t>
+            </a:r>
+            <a:r>
+              <a:rPr lang="en-US" altLang="zh-CN" dirty="0">
+                <a:cs typeface="+mn-ea"/>
+                <a:sym typeface="+mn-lt"/>
+              </a:rPr>
+              <a:t>H.265</a:t>
+            </a:r>
+            <a:r>
+              <a:rPr lang="zh-CN" altLang="en-US" dirty="0">
+                <a:cs typeface="+mn-ea"/>
+                <a:sym typeface="+mn-lt"/>
+              </a:rPr>
+              <a:t>编码音视频播放的</a:t>
+            </a:r>
+            <a:r>
+              <a:rPr lang="en-US" altLang="zh-CN" dirty="0">
+                <a:cs typeface="+mn-ea"/>
+                <a:sym typeface="+mn-lt"/>
+              </a:rPr>
+              <a:t>Demo</a:t>
+            </a:r>
+            <a:endParaRPr lang="en-US" altLang="zh-CN" dirty="0">
+              <a:cs typeface="+mn-ea"/>
+              <a:sym typeface="+mn-lt"/>
+            </a:endParaRPr>
+          </a:p>
+        </p:txBody>
+      </p:sp>
+      <p:sp>
+        <p:nvSpPr>
+          <p:cNvPr id="8" name="文本框 7"/>
+          <p:cNvSpPr txBox="1"/>
+          <p:nvPr/>
+        </p:nvSpPr>
+        <p:spPr>
+          <a:xfrm>
+            <a:off x="10230485" y="1549400"/>
+            <a:ext cx="1259840" cy="368300"/>
           </a:xfrm>
           <a:prstGeom prst="rect">
             <a:avLst/>
@@ -18813,7 +20254,7 @@
                 <a:cs typeface="+mn-ea"/>
                 <a:sym typeface="+mn-lt"/>
               </a:rPr>
-              <a:t>2022/04/25</a:t>
+              <a:t>2022/05/04</a:t>
             </a:r>
             <a:endParaRPr lang="zh-CN" altLang="en-US" sz="2800" dirty="0">
               <a:solidFill>
@@ -19637,7 +21078,7 @@
                 <a:cs typeface="+mn-ea"/>
                 <a:sym typeface="+mn-lt"/>
               </a:rPr>
-              <a:t>随着短视频的创作者日益增多，人们对短视频的创作兴趣日益浓厚，为了帮助短视频创作者可以通过在Web环境下便捷、快速、简单、易用的完成音视频创作。</a:t>
+              <a:t>随着短视频的创作者日益增多，人们对短视频的创作兴趣日益浓厚，目的为了帮助短视频创作者可以通过在Web环境下便捷、快速、简单、易用的完成音视频创作。</a:t>
             </a:r>
             <a:endParaRPr lang="zh-CN" altLang="en-US" sz="1600" dirty="0">
               <a:cs typeface="+mn-ea"/>
@@ -19707,7 +21148,7 @@
                 <a:cs typeface="+mn-ea"/>
                 <a:sym typeface="+mn-lt"/>
               </a:rPr>
-              <a:t>、不同浏览器对音视频的容器格式、编解码兼容性问题</a:t>
+              <a:t>、不同浏览器对音视频的容器格式、编解码兼容性差异带来成本问题</a:t>
             </a:r>
             <a:endParaRPr lang="zh-CN" altLang="en-US" sz="1600" dirty="0">
               <a:cs typeface="+mn-ea"/>
@@ -24329,7 +25770,7 @@
                 <a:cs typeface="+mn-ea"/>
                 <a:sym typeface="+mn-lt"/>
               </a:rPr>
-              <a:t>音视频处理系统，并解决</a:t>
+              <a:t>音视频处理系统，解决</a:t>
             </a:r>
             <a:r>
               <a:rPr lang="en-US" altLang="zh-CN" dirty="0">
@@ -24343,7 +25784,7 @@
                 <a:cs typeface="+mn-ea"/>
                 <a:sym typeface="+mn-lt"/>
               </a:rPr>
-              <a:t>浏览器的兼容性问题与提高处理性能。</a:t>
+              <a:t>浏览器的兼容性问题并提高处理性能。</a:t>
             </a:r>
             <a:endParaRPr lang="zh-CN" altLang="en-US" dirty="0">
               <a:cs typeface="+mn-ea"/>
@@ -24773,14 +26214,14 @@
                 <a:cs typeface="+mn-ea"/>
                 <a:sym typeface="+mn-lt"/>
               </a:rPr>
-              <a:t>系统的需求分析</a:t>
+              <a:t>系统</a:t>
             </a:r>
             <a:r>
               <a:rPr lang="zh-CN" sz="1600" dirty="0">
                 <a:cs typeface="+mn-ea"/>
                 <a:sym typeface="+mn-lt"/>
               </a:rPr>
-              <a:t>：</a:t>
+              <a:t>需求实例图</a:t>
             </a:r>
             <a:endParaRPr lang="zh-CN" sz="1600" dirty="0">
               <a:cs typeface="+mn-ea"/>
@@ -24878,7 +26319,7 @@
               <a:rPr lang="zh-CN" altLang="en-US" sz="2000" dirty="0">
                 <a:sym typeface="+mn-lt"/>
               </a:rPr>
-              <a:t>系统设计</a:t>
+              <a:t>功能设计</a:t>
             </a:r>
             <a:endParaRPr lang="zh-CN" altLang="en-US" sz="2000" dirty="0">
               <a:sym typeface="+mn-lt"/>
@@ -24912,42 +26353,9 @@
           </a:p>
         </p:txBody>
       </p:sp>
-      <p:sp>
-        <p:nvSpPr>
-          <p:cNvPr id="4" name="文本框 3"/>
-          <p:cNvSpPr txBox="1"/>
-          <p:nvPr/>
-        </p:nvSpPr>
-        <p:spPr>
-          <a:xfrm>
-            <a:off x="1091565" y="1155065"/>
-            <a:ext cx="9855835" cy="337185"/>
-          </a:xfrm>
-          <a:prstGeom prst="rect">
-            <a:avLst/>
-          </a:prstGeom>
-          <a:noFill/>
-        </p:spPr>
-        <p:txBody>
-          <a:bodyPr wrap="square" rtlCol="0">
-            <a:spAutoFit/>
-          </a:bodyPr>
-          <a:p>
-            <a:r>
-              <a:rPr lang="en-US" sz="1600"/>
-              <a:t>    根据研究目标和研究内容，设计如图所示的系统整体</a:t>
-            </a:r>
-            <a:r>
-              <a:rPr lang="zh-CN" altLang="en-US" sz="1600"/>
-              <a:t>设计</a:t>
-            </a:r>
-            <a:endParaRPr lang="zh-CN" altLang="en-US" sz="1600"/>
-          </a:p>
-        </p:txBody>
-      </p:sp>
       <p:pic>
         <p:nvPicPr>
-          <p:cNvPr id="6" name="图片 5"/>
+          <p:cNvPr id="7" name="图片 2"/>
           <p:cNvPicPr>
             <a:picLocks noChangeAspect="1"/>
           </p:cNvPicPr>
@@ -24961,12 +26369,175 @@
         </p:blipFill>
         <p:spPr>
           <a:xfrm>
-            <a:off x="2601595" y="1941830"/>
-            <a:ext cx="6657975" cy="3502025"/>
+            <a:off x="6579870" y="2710180"/>
+            <a:ext cx="4131945" cy="2973070"/>
           </a:xfrm>
           <a:prstGeom prst="rect">
             <a:avLst/>
           </a:prstGeom>
+          <a:noFill/>
+          <a:ln w="9525">
+            <a:noFill/>
+          </a:ln>
+        </p:spPr>
+      </p:pic>
+      <p:sp>
+        <p:nvSpPr>
+          <p:cNvPr id="8" name="文本框 7"/>
+          <p:cNvSpPr txBox="1"/>
+          <p:nvPr/>
+        </p:nvSpPr>
+        <p:spPr>
+          <a:xfrm>
+            <a:off x="2298700" y="3126105"/>
+            <a:ext cx="2854960" cy="306705"/>
+          </a:xfrm>
+          <a:prstGeom prst="rect">
+            <a:avLst/>
+          </a:prstGeom>
+          <a:noFill/>
+        </p:spPr>
+        <p:txBody>
+          <a:bodyPr wrap="square" rtlCol="0">
+            <a:spAutoFit/>
+          </a:bodyPr>
+          <a:p>
+            <a:r>
+              <a:rPr lang="zh-CN" sz="1400">
+                <a:sym typeface="+mn-ea"/>
+              </a:rPr>
+              <a:t>（</a:t>
+            </a:r>
+            <a:r>
+              <a:rPr lang="en-US" altLang="zh-CN" sz="1400">
+                <a:sym typeface="+mn-ea"/>
+              </a:rPr>
+              <a:t>1</a:t>
+            </a:r>
+            <a:r>
+              <a:rPr lang="zh-CN" sz="1400">
+                <a:sym typeface="+mn-ea"/>
+              </a:rPr>
+              <a:t>）</a:t>
+            </a:r>
+            <a:r>
+              <a:rPr sz="1400">
+                <a:sym typeface="+mn-ea"/>
+              </a:rPr>
+              <a:t>不同格式音视频解码播放</a:t>
+            </a:r>
+            <a:endParaRPr lang="zh-CN" altLang="en-US" sz="1400">
+              <a:sym typeface="+mn-ea"/>
+            </a:endParaRPr>
+          </a:p>
+        </p:txBody>
+      </p:sp>
+      <p:sp>
+        <p:nvSpPr>
+          <p:cNvPr id="9" name="文本框 8"/>
+          <p:cNvSpPr txBox="1"/>
+          <p:nvPr/>
+        </p:nvSpPr>
+        <p:spPr>
+          <a:xfrm>
+            <a:off x="7383145" y="5683250"/>
+            <a:ext cx="2854960" cy="306705"/>
+          </a:xfrm>
+          <a:prstGeom prst="rect">
+            <a:avLst/>
+          </a:prstGeom>
+          <a:noFill/>
+        </p:spPr>
+        <p:txBody>
+          <a:bodyPr wrap="square" rtlCol="0">
+            <a:spAutoFit/>
+          </a:bodyPr>
+          <a:p>
+            <a:r>
+              <a:rPr lang="zh-CN" sz="1400">
+                <a:sym typeface="+mn-ea"/>
+              </a:rPr>
+              <a:t>（</a:t>
+            </a:r>
+            <a:r>
+              <a:rPr lang="en-US" altLang="zh-CN" sz="1400">
+                <a:sym typeface="+mn-ea"/>
+              </a:rPr>
+              <a:t>2</a:t>
+            </a:r>
+            <a:r>
+              <a:rPr lang="zh-CN" sz="1400">
+                <a:sym typeface="+mn-ea"/>
+              </a:rPr>
+              <a:t>）添加</a:t>
+            </a:r>
+            <a:r>
+              <a:rPr sz="1400">
+                <a:sym typeface="+mn-ea"/>
+              </a:rPr>
+              <a:t>音频字幕</a:t>
+            </a:r>
+            <a:endParaRPr lang="zh-CN" altLang="en-US" sz="1400">
+              <a:sym typeface="+mn-ea"/>
+            </a:endParaRPr>
+          </a:p>
+        </p:txBody>
+      </p:sp>
+      <p:sp>
+        <p:nvSpPr>
+          <p:cNvPr id="10" name="文本框 9"/>
+          <p:cNvSpPr txBox="1"/>
+          <p:nvPr/>
+        </p:nvSpPr>
+        <p:spPr>
+          <a:xfrm>
+            <a:off x="1091565" y="1059815"/>
+            <a:ext cx="9620250" cy="337185"/>
+          </a:xfrm>
+          <a:prstGeom prst="rect">
+            <a:avLst/>
+          </a:prstGeom>
+          <a:noFill/>
+        </p:spPr>
+        <p:txBody>
+          <a:bodyPr wrap="square" rtlCol="0">
+            <a:spAutoFit/>
+          </a:bodyPr>
+          <a:p>
+            <a:r>
+              <a:rPr lang="zh-CN" altLang="en-US" sz="1600"/>
+              <a:t>系统功能包括音视频解码播放、音视频剪裁合并、音视频格式转换、添加字幕音频等等</a:t>
+            </a:r>
+            <a:endParaRPr lang="zh-CN" altLang="en-US" sz="1600"/>
+          </a:p>
+        </p:txBody>
+      </p:sp>
+      <p:pic>
+        <p:nvPicPr>
+          <p:cNvPr id="6" name="图片 1"/>
+          <p:cNvPicPr>
+            <a:picLocks noChangeAspect="1"/>
+          </p:cNvPicPr>
+          <p:nvPr/>
+        </p:nvPicPr>
+        <p:blipFill>
+          <a:blip r:embed="rId2"/>
+          <a:stretch>
+            <a:fillRect/>
+          </a:stretch>
+        </p:blipFill>
+        <p:spPr>
+          <a:xfrm>
+            <a:off x="822960" y="1807845"/>
+            <a:ext cx="6215380" cy="1203325"/>
+          </a:xfrm>
+          <a:prstGeom prst="rect">
+            <a:avLst/>
+          </a:prstGeom>
+          <a:noFill/>
+          <a:ln w="9525">
+            <a:noFill/>
+          </a:ln>
         </p:spPr>
       </p:pic>
     </p:spTree>
